--- a/Intro_to_GENE/3_Structure_of_output.pptx
+++ b/Intro_to_GENE/3_Structure_of_output.pptx
@@ -6,11 +6,12 @@
   </p:sldMasterIdLst>
   <p:sldIdLst>
     <p:sldId id="256" r:id="rId2"/>
-    <p:sldId id="257" r:id="rId3"/>
-    <p:sldId id="258" r:id="rId4"/>
-    <p:sldId id="259" r:id="rId5"/>
-    <p:sldId id="261" r:id="rId6"/>
-    <p:sldId id="262" r:id="rId7"/>
+    <p:sldId id="259" r:id="rId3"/>
+    <p:sldId id="257" r:id="rId4"/>
+    <p:sldId id="260" r:id="rId5"/>
+    <p:sldId id="262" r:id="rId6"/>
+    <p:sldId id="261" r:id="rId7"/>
+    <p:sldId id="258" r:id="rId8"/>
   </p:sldIdLst>
   <p:sldSz cx="12192000" cy="6858000"/>
   <p:notesSz cx="6858000" cy="9144000"/>
@@ -276,7 +277,7 @@
           <a:p>
             <a:fld id="{5FC85D78-2920-445E-8686-FA2F3D4A48D8}" type="datetimeFigureOut">
               <a:rPr lang="en-US" smtClean="0"/>
-              <a:t>5/25/2021</a:t>
+              <a:t>5/31/2021</a:t>
             </a:fld>
             <a:endParaRPr lang="en-US"/>
           </a:p>
@@ -474,7 +475,7 @@
           <a:p>
             <a:fld id="{5FC85D78-2920-445E-8686-FA2F3D4A48D8}" type="datetimeFigureOut">
               <a:rPr lang="en-US" smtClean="0"/>
-              <a:t>5/25/2021</a:t>
+              <a:t>5/31/2021</a:t>
             </a:fld>
             <a:endParaRPr lang="en-US"/>
           </a:p>
@@ -682,7 +683,7 @@
           <a:p>
             <a:fld id="{5FC85D78-2920-445E-8686-FA2F3D4A48D8}" type="datetimeFigureOut">
               <a:rPr lang="en-US" smtClean="0"/>
-              <a:t>5/25/2021</a:t>
+              <a:t>5/31/2021</a:t>
             </a:fld>
             <a:endParaRPr lang="en-US"/>
           </a:p>
@@ -880,7 +881,7 @@
           <a:p>
             <a:fld id="{5FC85D78-2920-445E-8686-FA2F3D4A48D8}" type="datetimeFigureOut">
               <a:rPr lang="en-US" smtClean="0"/>
-              <a:t>5/25/2021</a:t>
+              <a:t>5/31/2021</a:t>
             </a:fld>
             <a:endParaRPr lang="en-US"/>
           </a:p>
@@ -1155,7 +1156,7 @@
           <a:p>
             <a:fld id="{5FC85D78-2920-445E-8686-FA2F3D4A48D8}" type="datetimeFigureOut">
               <a:rPr lang="en-US" smtClean="0"/>
-              <a:t>5/25/2021</a:t>
+              <a:t>5/31/2021</a:t>
             </a:fld>
             <a:endParaRPr lang="en-US"/>
           </a:p>
@@ -1420,7 +1421,7 @@
           <a:p>
             <a:fld id="{5FC85D78-2920-445E-8686-FA2F3D4A48D8}" type="datetimeFigureOut">
               <a:rPr lang="en-US" smtClean="0"/>
-              <a:t>5/25/2021</a:t>
+              <a:t>5/31/2021</a:t>
             </a:fld>
             <a:endParaRPr lang="en-US"/>
           </a:p>
@@ -1832,7 +1833,7 @@
           <a:p>
             <a:fld id="{5FC85D78-2920-445E-8686-FA2F3D4A48D8}" type="datetimeFigureOut">
               <a:rPr lang="en-US" smtClean="0"/>
-              <a:t>5/25/2021</a:t>
+              <a:t>5/31/2021</a:t>
             </a:fld>
             <a:endParaRPr lang="en-US"/>
           </a:p>
@@ -1973,7 +1974,7 @@
           <a:p>
             <a:fld id="{5FC85D78-2920-445E-8686-FA2F3D4A48D8}" type="datetimeFigureOut">
               <a:rPr lang="en-US" smtClean="0"/>
-              <a:t>5/25/2021</a:t>
+              <a:t>5/31/2021</a:t>
             </a:fld>
             <a:endParaRPr lang="en-US"/>
           </a:p>
@@ -2086,7 +2087,7 @@
           <a:p>
             <a:fld id="{5FC85D78-2920-445E-8686-FA2F3D4A48D8}" type="datetimeFigureOut">
               <a:rPr lang="en-US" smtClean="0"/>
-              <a:t>5/25/2021</a:t>
+              <a:t>5/31/2021</a:t>
             </a:fld>
             <a:endParaRPr lang="en-US"/>
           </a:p>
@@ -2397,7 +2398,7 @@
           <a:p>
             <a:fld id="{5FC85D78-2920-445E-8686-FA2F3D4A48D8}" type="datetimeFigureOut">
               <a:rPr lang="en-US" smtClean="0"/>
-              <a:t>5/25/2021</a:t>
+              <a:t>5/31/2021</a:t>
             </a:fld>
             <a:endParaRPr lang="en-US"/>
           </a:p>
@@ -2685,7 +2686,7 @@
           <a:p>
             <a:fld id="{5FC85D78-2920-445E-8686-FA2F3D4A48D8}" type="datetimeFigureOut">
               <a:rPr lang="en-US" smtClean="0"/>
-              <a:t>5/25/2021</a:t>
+              <a:t>5/31/2021</a:t>
             </a:fld>
             <a:endParaRPr lang="en-US"/>
           </a:p>
@@ -2926,7 +2927,7 @@
           <a:p>
             <a:fld id="{5FC85D78-2920-445E-8686-FA2F3D4A48D8}" type="datetimeFigureOut">
               <a:rPr lang="en-US" smtClean="0"/>
-              <a:t>5/25/2021</a:t>
+              <a:t>5/31/2021</a:t>
             </a:fld>
             <a:endParaRPr lang="en-US"/>
           </a:p>
@@ -3366,7 +3367,7 @@
           <a:p>
             <a:r>
               <a:rPr lang="en-US" dirty="0"/>
-              <a:t>Types of simulations</a:t>
+              <a:t>Structure of output</a:t>
             </a:r>
           </a:p>
         </p:txBody>
@@ -3431,7 +3432,7 @@
           <p:cNvPr id="2" name="Title 1">
             <a:extLst>
               <a:ext uri="{FF2B5EF4-FFF2-40B4-BE49-F238E27FC236}">
-                <a16:creationId xmlns:a16="http://schemas.microsoft.com/office/drawing/2014/main" id="{2DA368AB-2228-4D62-A94B-7277B22B467C}"/>
+                <a16:creationId xmlns:a16="http://schemas.microsoft.com/office/drawing/2014/main" id="{4C5B0634-7316-4023-A3DB-75210DFA9E81}"/>
               </a:ext>
             </a:extLst>
           </p:cNvPr>
@@ -3447,66 +3448,137 @@
           <a:bodyPr/>
           <a:lstStyle/>
           <a:p>
+            <a:r>
+              <a:rPr lang="en-US" dirty="0"/>
+              <a:t>Naming system</a:t>
+            </a:r>
+          </a:p>
+        </p:txBody>
+      </p:sp>
+      <p:sp>
+        <p:nvSpPr>
+          <p:cNvPr id="3" name="Content Placeholder 2">
+            <a:extLst>
+              <a:ext uri="{FF2B5EF4-FFF2-40B4-BE49-F238E27FC236}">
+                <a16:creationId xmlns:a16="http://schemas.microsoft.com/office/drawing/2014/main" id="{13B209DA-1FFD-482D-8C7E-FEBAC176A7BD}"/>
+              </a:ext>
+            </a:extLst>
+          </p:cNvPr>
+          <p:cNvSpPr>
+            <a:spLocks noGrp="1"/>
+          </p:cNvSpPr>
+          <p:nvPr>
+            <p:ph idx="1"/>
+          </p:nvPr>
+        </p:nvSpPr>
+        <p:spPr/>
+        <p:txBody>
+          <a:bodyPr>
+            <a:normAutofit lnSpcReduction="10000"/>
+          </a:bodyPr>
+          <a:lstStyle/>
+          <a:p>
+            <a:r>
+              <a:rPr lang="en-US" dirty="0"/>
+              <a:t>Data_*</a:t>
+            </a:r>
+            <a:r>
+              <a:rPr lang="en-US" dirty="0" err="1"/>
+              <a:t>species_suffix</a:t>
+            </a:r>
             <a:endParaRPr lang="en-US" dirty="0"/>
           </a:p>
-        </p:txBody>
-      </p:sp>
-      <p:sp>
-        <p:nvSpPr>
-          <p:cNvPr id="3" name="Content Placeholder 2">
-            <a:extLst>
-              <a:ext uri="{FF2B5EF4-FFF2-40B4-BE49-F238E27FC236}">
-                <a16:creationId xmlns:a16="http://schemas.microsoft.com/office/drawing/2014/main" id="{FCCA02A2-2BE1-43DB-B42D-48F9BB738E72}"/>
-              </a:ext>
-            </a:extLst>
-          </p:cNvPr>
-          <p:cNvSpPr>
-            <a:spLocks noGrp="1"/>
-          </p:cNvSpPr>
-          <p:nvPr>
-            <p:ph idx="1"/>
-          </p:nvPr>
-        </p:nvSpPr>
-        <p:spPr/>
-        <p:txBody>
-          <a:bodyPr/>
-          <a:lstStyle/>
+          <a:p>
+            <a:endParaRPr lang="en-US" dirty="0"/>
+          </a:p>
           <a:p>
             <a:r>
               <a:rPr lang="en-US" dirty="0"/>
-              <a:t>Global/Local</a:t>
-            </a:r>
-          </a:p>
-          <a:p>
+              <a:t>Example</a:t>
+            </a:r>
+          </a:p>
+          <a:p>
+            <a:pPr lvl="1"/>
             <a:r>
               <a:rPr lang="en-US" dirty="0"/>
-              <a:t>Linear/nonlinear</a:t>
-            </a:r>
-          </a:p>
-          <a:p>
+              <a:t>mom_e.dat</a:t>
+            </a:r>
+          </a:p>
+          <a:p>
+            <a:pPr marL="457200" lvl="1" indent="0">
+              <a:buNone/>
+            </a:pPr>
             <a:r>
               <a:rPr lang="en-US" dirty="0"/>
-              <a:t>Initial Value/Eigen Value</a:t>
-            </a:r>
-          </a:p>
-          <a:p>
+              <a:t>   Data= mom , species=electron, Suffix=‘.</a:t>
+            </a:r>
+            <a:r>
+              <a:rPr lang="en-US" dirty="0" err="1"/>
+              <a:t>dat</a:t>
+            </a:r>
             <a:r>
               <a:rPr lang="en-US" dirty="0"/>
-              <a:t>Experiment geometry/analytical/</a:t>
-            </a:r>
-          </a:p>
-          <a:p>
+              <a:t>’</a:t>
+            </a:r>
+          </a:p>
+          <a:p>
+            <a:pPr lvl="1"/>
+            <a:endParaRPr lang="en-US" dirty="0"/>
+          </a:p>
+          <a:p>
+            <a:pPr lvl="1"/>
             <a:r>
               <a:rPr lang="en-US" dirty="0"/>
-              <a:t>1/2/3 species</a:t>
-            </a:r>
+              <a:t>energy.dat</a:t>
+            </a:r>
+          </a:p>
+          <a:p>
+            <a:pPr marL="457200" lvl="1" indent="0">
+              <a:buNone/>
+            </a:pPr>
+            <a:r>
+              <a:rPr lang="en-US" dirty="0"/>
+              <a:t>   Data= mom, Suffix=‘.</a:t>
+            </a:r>
+            <a:r>
+              <a:rPr lang="en-US" dirty="0" err="1"/>
+              <a:t>dat</a:t>
+            </a:r>
+            <a:r>
+              <a:rPr lang="en-US" dirty="0"/>
+              <a:t>’</a:t>
+            </a:r>
+          </a:p>
+          <a:p>
+            <a:pPr lvl="1"/>
+            <a:endParaRPr lang="en-US" dirty="0"/>
+          </a:p>
+          <a:p>
+            <a:pPr lvl="1"/>
+            <a:r>
+              <a:rPr lang="en-US" dirty="0"/>
+              <a:t>energy_0001</a:t>
+            </a:r>
+          </a:p>
+          <a:p>
+            <a:pPr marL="457200" lvl="1" indent="0">
+              <a:buNone/>
+            </a:pPr>
+            <a:r>
+              <a:rPr lang="en-US" dirty="0"/>
+              <a:t>    Data= mom, Suffix=‘_0001’</a:t>
+            </a:r>
+          </a:p>
+          <a:p>
+            <a:pPr lvl="1"/>
+            <a:endParaRPr lang="en-US" dirty="0"/>
           </a:p>
         </p:txBody>
       </p:sp>
     </p:spTree>
     <p:extLst>
       <p:ext uri="{BB962C8B-B14F-4D97-AF65-F5344CB8AC3E}">
-        <p14:creationId xmlns:p14="http://schemas.microsoft.com/office/powerpoint/2010/main" val="2132710372"/>
+        <p14:creationId xmlns:p14="http://schemas.microsoft.com/office/powerpoint/2010/main" val="956445236"/>
       </p:ext>
     </p:extLst>
   </p:cSld>
@@ -3538,7 +3610,7 @@
           <p:cNvPr id="2" name="Title 1">
             <a:extLst>
               <a:ext uri="{FF2B5EF4-FFF2-40B4-BE49-F238E27FC236}">
-                <a16:creationId xmlns:a16="http://schemas.microsoft.com/office/drawing/2014/main" id="{A060E2E6-E318-48EF-9E9F-A509AC3D6D7A}"/>
+                <a16:creationId xmlns:a16="http://schemas.microsoft.com/office/drawing/2014/main" id="{7CE5C70D-5883-41F6-91F8-859ED55DC978}"/>
               </a:ext>
             </a:extLst>
           </p:cNvPr>
@@ -3549,698 +3621,115 @@
             <p:ph type="title"/>
           </p:nvPr>
         </p:nvSpPr>
+        <p:spPr/>
+        <p:txBody>
+          <a:bodyPr/>
+          <a:lstStyle/>
+          <a:p>
+            <a:r>
+              <a:rPr lang="en-US" dirty="0"/>
+              <a:t>Output files</a:t>
+            </a:r>
+          </a:p>
+        </p:txBody>
+      </p:sp>
+      <p:sp>
+        <p:nvSpPr>
+          <p:cNvPr id="3" name="Content Placeholder 2">
+            <a:extLst>
+              <a:ext uri="{FF2B5EF4-FFF2-40B4-BE49-F238E27FC236}">
+                <a16:creationId xmlns:a16="http://schemas.microsoft.com/office/drawing/2014/main" id="{2E912575-8AAD-4832-83FC-9CDDC6A238EB}"/>
+              </a:ext>
+            </a:extLst>
+          </p:cNvPr>
+          <p:cNvSpPr>
+            <a:spLocks noGrp="1"/>
+          </p:cNvSpPr>
+          <p:nvPr>
+            <p:ph idx="1"/>
+          </p:nvPr>
+        </p:nvSpPr>
+        <p:spPr/>
+        <p:txBody>
+          <a:bodyPr/>
+          <a:lstStyle/>
+          <a:p>
+            <a:r>
+              <a:rPr lang="en-US" dirty="0" err="1"/>
+              <a:t>Nrg</a:t>
+            </a:r>
+            <a:endParaRPr lang="en-US" dirty="0"/>
+          </a:p>
+          <a:p>
+            <a:r>
+              <a:rPr lang="en-US" dirty="0"/>
+              <a:t>Field</a:t>
+            </a:r>
+          </a:p>
+          <a:p>
+            <a:r>
+              <a:rPr lang="en-US" dirty="0"/>
+              <a:t>Mom</a:t>
+            </a:r>
+          </a:p>
+          <a:p>
+            <a:r>
+              <a:rPr lang="en-US" dirty="0"/>
+              <a:t>*Omega</a:t>
+            </a:r>
+          </a:p>
+          <a:p>
+            <a:r>
+              <a:rPr lang="en-US" dirty="0" err="1"/>
+              <a:t>Tracer_efit</a:t>
+            </a:r>
+            <a:endParaRPr lang="en-US" dirty="0"/>
+          </a:p>
+          <a:p>
+            <a:r>
+              <a:rPr lang="en-US" dirty="0"/>
+              <a:t>energy</a:t>
+            </a:r>
+          </a:p>
+          <a:p>
+            <a:endParaRPr lang="en-US" dirty="0"/>
+          </a:p>
+        </p:txBody>
+      </p:sp>
+      <p:pic>
+        <p:nvPicPr>
+          <p:cNvPr id="5" name="Picture 4">
+            <a:extLst>
+              <a:ext uri="{FF2B5EF4-FFF2-40B4-BE49-F238E27FC236}">
+                <a16:creationId xmlns:a16="http://schemas.microsoft.com/office/drawing/2014/main" id="{F533178B-AC1F-41A5-836E-D3B7980E025B}"/>
+              </a:ext>
+            </a:extLst>
+          </p:cNvPr>
+          <p:cNvPicPr>
+            <a:picLocks noChangeAspect="1"/>
+          </p:cNvPicPr>
+          <p:nvPr/>
+        </p:nvPicPr>
+        <p:blipFill>
+          <a:blip r:embed="rId2"/>
+          <a:stretch>
+            <a:fillRect/>
+          </a:stretch>
+        </p:blipFill>
         <p:spPr>
           <a:xfrm>
-            <a:off x="838200" y="-142204"/>
-            <a:ext cx="1878367" cy="1325563"/>
-          </a:xfrm>
-        </p:spPr>
-        <p:txBody>
-          <a:bodyPr/>
-          <a:lstStyle/>
-          <a:p>
-            <a:r>
-              <a:rPr lang="en-US" dirty="0"/>
-              <a:t>Global</a:t>
-            </a:r>
-          </a:p>
-        </p:txBody>
-      </p:sp>
-      <p:sp>
-        <p:nvSpPr>
-          <p:cNvPr id="3" name="Content Placeholder 2">
-            <a:extLst>
-              <a:ext uri="{FF2B5EF4-FFF2-40B4-BE49-F238E27FC236}">
-                <a16:creationId xmlns:a16="http://schemas.microsoft.com/office/drawing/2014/main" id="{B4B9AAE2-88D5-4A1E-AED6-A4CDABD8F9CE}"/>
-              </a:ext>
-            </a:extLst>
-          </p:cNvPr>
-          <p:cNvSpPr>
-            <a:spLocks noGrp="1"/>
-          </p:cNvSpPr>
-          <p:nvPr>
-            <p:ph idx="1"/>
-          </p:nvPr>
-        </p:nvSpPr>
-        <p:spPr>
-          <a:xfrm>
-            <a:off x="838200" y="870012"/>
-            <a:ext cx="3884720" cy="5805996"/>
-          </a:xfrm>
-        </p:spPr>
-        <p:txBody>
-          <a:bodyPr>
-            <a:normAutofit fontScale="55000" lnSpcReduction="20000"/>
-          </a:bodyPr>
-          <a:lstStyle/>
-          <a:p>
-            <a:pPr marL="0" indent="0">
-              <a:buNone/>
-            </a:pPr>
-            <a:r>
-              <a:rPr lang="en-US" dirty="0"/>
-              <a:t>&amp;box</a:t>
-            </a:r>
-          </a:p>
-          <a:p>
-            <a:pPr marL="0" indent="0">
-              <a:buNone/>
-            </a:pPr>
-            <a:r>
-              <a:rPr lang="en-US" dirty="0"/>
-              <a:t>x0 = 0.975</a:t>
-            </a:r>
-          </a:p>
-          <a:p>
-            <a:pPr marL="0" indent="0">
-              <a:buNone/>
-            </a:pPr>
-            <a:r>
-              <a:rPr lang="en-US" dirty="0" err="1"/>
-              <a:t>n_spec</a:t>
-            </a:r>
-            <a:r>
-              <a:rPr lang="en-US" dirty="0"/>
-              <a:t> = 3</a:t>
-            </a:r>
-          </a:p>
-          <a:p>
-            <a:pPr marL="0" indent="0">
-              <a:buNone/>
-            </a:pPr>
-            <a:r>
-              <a:rPr lang="en-US" b="1" dirty="0">
-                <a:solidFill>
-                  <a:srgbClr val="FF0000"/>
-                </a:solidFill>
-              </a:rPr>
-              <a:t>nx0 = 256</a:t>
-            </a:r>
-          </a:p>
-          <a:p>
-            <a:pPr marL="0" indent="0">
-              <a:buNone/>
-            </a:pPr>
-            <a:r>
-              <a:rPr lang="en-US" dirty="0"/>
-              <a:t>nky0 = 1</a:t>
-            </a:r>
-          </a:p>
-          <a:p>
-            <a:pPr marL="0" indent="0">
-              <a:buNone/>
-            </a:pPr>
-            <a:r>
-              <a:rPr lang="en-US" dirty="0"/>
-              <a:t>nz0 = 192</a:t>
-            </a:r>
-          </a:p>
-          <a:p>
-            <a:pPr marL="0" indent="0">
-              <a:buNone/>
-            </a:pPr>
-            <a:r>
-              <a:rPr lang="en-US" dirty="0"/>
-              <a:t>nv0 = 32</a:t>
-            </a:r>
-          </a:p>
-          <a:p>
-            <a:pPr marL="0" indent="0">
-              <a:buNone/>
-            </a:pPr>
-            <a:r>
-              <a:rPr lang="en-US" dirty="0"/>
-              <a:t>nw0 = 16</a:t>
-            </a:r>
-          </a:p>
-          <a:p>
-            <a:pPr marL="0" indent="0">
-              <a:buNone/>
-            </a:pPr>
-            <a:r>
-              <a:rPr lang="en-US" dirty="0" err="1"/>
-              <a:t>kymin</a:t>
-            </a:r>
-            <a:r>
-              <a:rPr lang="en-US" dirty="0"/>
-              <a:t> = 0.15</a:t>
-            </a:r>
-          </a:p>
-          <a:p>
-            <a:pPr marL="0" indent="0">
-              <a:buNone/>
-            </a:pPr>
-            <a:r>
-              <a:rPr lang="en-US" dirty="0" err="1"/>
-              <a:t>lx_a</a:t>
-            </a:r>
-            <a:r>
-              <a:rPr lang="en-US" dirty="0"/>
-              <a:t> = 0.047  </a:t>
-            </a:r>
-          </a:p>
-          <a:p>
-            <a:pPr marL="0" indent="0">
-              <a:buNone/>
-            </a:pPr>
-            <a:r>
-              <a:rPr lang="en-US" dirty="0"/>
-              <a:t>lv = 3.5904813170277907</a:t>
-            </a:r>
-          </a:p>
-          <a:p>
-            <a:pPr marL="0" indent="0">
-              <a:buNone/>
-            </a:pPr>
-            <a:r>
-              <a:rPr lang="en-US" dirty="0" err="1"/>
-              <a:t>lw</a:t>
-            </a:r>
-            <a:r>
-              <a:rPr lang="en-US" dirty="0"/>
-              <a:t> = 15.577760454349013</a:t>
-            </a:r>
-          </a:p>
-          <a:p>
-            <a:pPr marL="0" indent="0">
-              <a:buNone/>
-            </a:pPr>
-            <a:r>
-              <a:rPr lang="en-US" dirty="0"/>
-              <a:t>n0_global = 19</a:t>
-            </a:r>
-          </a:p>
-          <a:p>
-            <a:pPr marL="0" indent="0">
-              <a:buNone/>
-            </a:pPr>
-            <a:r>
-              <a:rPr lang="en-US" dirty="0"/>
-              <a:t>/</a:t>
-            </a:r>
-          </a:p>
-          <a:p>
-            <a:pPr marL="0" indent="0">
-              <a:buNone/>
-            </a:pPr>
-            <a:endParaRPr lang="en-US" dirty="0"/>
-          </a:p>
-          <a:p>
-            <a:pPr marL="0" indent="0">
-              <a:buNone/>
-            </a:pPr>
-            <a:r>
-              <a:rPr lang="en-US" dirty="0"/>
-              <a:t>&amp;general</a:t>
-            </a:r>
-          </a:p>
-          <a:p>
-            <a:pPr marL="0" indent="0">
-              <a:buNone/>
-            </a:pPr>
-            <a:r>
-              <a:rPr lang="en-US" sz="3300" b="1" dirty="0" err="1">
-                <a:solidFill>
-                  <a:srgbClr val="FF0000"/>
-                </a:solidFill>
-              </a:rPr>
-              <a:t>lilo</a:t>
-            </a:r>
-            <a:r>
-              <a:rPr lang="en-US" sz="3300" b="1" dirty="0">
-                <a:solidFill>
-                  <a:srgbClr val="FF0000"/>
-                </a:solidFill>
-              </a:rPr>
-              <a:t> = .F.</a:t>
-            </a:r>
-          </a:p>
-          <a:p>
-            <a:pPr marL="0" indent="0">
-              <a:buNone/>
-            </a:pPr>
-            <a:r>
-              <a:rPr lang="en-US" dirty="0" err="1"/>
-              <a:t>perf_vec</a:t>
-            </a:r>
-            <a:r>
-              <a:rPr lang="en-US" dirty="0"/>
-              <a:t> = 1 1 2 2 1 1 1 1 1</a:t>
-            </a:r>
-          </a:p>
-          <a:p>
-            <a:pPr marL="0" indent="0">
-              <a:buNone/>
-            </a:pPr>
-            <a:r>
-              <a:rPr lang="en-US" dirty="0" err="1"/>
-              <a:t>underflow_limit</a:t>
-            </a:r>
-            <a:r>
-              <a:rPr lang="en-US" dirty="0"/>
-              <a:t> = 1.0e-20</a:t>
-            </a:r>
-          </a:p>
-          <a:p>
-            <a:pPr marL="0" indent="0">
-              <a:buNone/>
-            </a:pPr>
-            <a:r>
-              <a:rPr lang="en-US" sz="3300" b="1" dirty="0">
-                <a:solidFill>
-                  <a:srgbClr val="FF0000"/>
-                </a:solidFill>
-              </a:rPr>
-              <a:t>nonlinear = .F.</a:t>
-            </a:r>
-          </a:p>
-        </p:txBody>
-      </p:sp>
-      <p:sp>
-        <p:nvSpPr>
-          <p:cNvPr id="5" name="TextBox 4">
-            <a:extLst>
-              <a:ext uri="{FF2B5EF4-FFF2-40B4-BE49-F238E27FC236}">
-                <a16:creationId xmlns:a16="http://schemas.microsoft.com/office/drawing/2014/main" id="{3345C35B-9E84-4A0C-AC76-554A0961B5E0}"/>
-              </a:ext>
-            </a:extLst>
-          </p:cNvPr>
-          <p:cNvSpPr txBox="1"/>
-          <p:nvPr/>
-        </p:nvSpPr>
-        <p:spPr>
-          <a:xfrm>
-            <a:off x="7180556" y="100571"/>
-            <a:ext cx="2762435" cy="769441"/>
-          </a:xfrm>
-          <a:prstGeom prst="rect">
-            <a:avLst/>
-          </a:prstGeom>
-          <a:noFill/>
-        </p:spPr>
-        <p:txBody>
-          <a:bodyPr wrap="square">
-            <a:spAutoFit/>
-          </a:bodyPr>
-          <a:lstStyle/>
-          <a:p>
-            <a:r>
-              <a:rPr lang="en-US" sz="4400" dirty="0">
-                <a:latin typeface="+mj-lt"/>
-                <a:ea typeface="+mj-ea"/>
-                <a:cs typeface="+mj-cs"/>
-              </a:rPr>
-              <a:t>Local</a:t>
-            </a:r>
-          </a:p>
-        </p:txBody>
-      </p:sp>
-      <p:sp>
-        <p:nvSpPr>
-          <p:cNvPr id="6" name="Content Placeholder 2">
-            <a:extLst>
-              <a:ext uri="{FF2B5EF4-FFF2-40B4-BE49-F238E27FC236}">
-                <a16:creationId xmlns:a16="http://schemas.microsoft.com/office/drawing/2014/main" id="{E26DD0DD-450A-4BA7-AD0A-45E83F97219E}"/>
-              </a:ext>
-            </a:extLst>
-          </p:cNvPr>
-          <p:cNvSpPr txBox="1">
-            <a:spLocks/>
-          </p:cNvSpPr>
-          <p:nvPr/>
-        </p:nvSpPr>
-        <p:spPr>
-          <a:xfrm>
-            <a:off x="7000782" y="884644"/>
-            <a:ext cx="3884720" cy="5805996"/>
+            <a:off x="3753174" y="1690688"/>
+            <a:ext cx="8071463" cy="605738"/>
           </a:xfrm>
           <a:prstGeom prst="rect">
             <a:avLst/>
           </a:prstGeom>
         </p:spPr>
-        <p:txBody>
-          <a:bodyPr vert="horz" lIns="91440" tIns="45720" rIns="91440" bIns="45720" rtlCol="0">
-            <a:normAutofit fontScale="62500" lnSpcReduction="20000"/>
-          </a:bodyPr>
-          <a:lstStyle>
-            <a:lvl1pPr marL="228600" indent="-228600" algn="l" defTabSz="914400" rtl="0" eaLnBrk="1" latinLnBrk="0" hangingPunct="1">
-              <a:lnSpc>
-                <a:spcPct val="90000"/>
-              </a:lnSpc>
-              <a:spcBef>
-                <a:spcPts val="1000"/>
-              </a:spcBef>
-              <a:buFont typeface="Arial" panose="020B0604020202020204" pitchFamily="34" charset="0"/>
-              <a:buChar char="•"/>
-              <a:defRPr sz="2800" kern="1200">
-                <a:solidFill>
-                  <a:schemeClr val="tx1"/>
-                </a:solidFill>
-                <a:latin typeface="+mn-lt"/>
-                <a:ea typeface="+mn-ea"/>
-                <a:cs typeface="+mn-cs"/>
-              </a:defRPr>
-            </a:lvl1pPr>
-            <a:lvl2pPr marL="685800" indent="-228600" algn="l" defTabSz="914400" rtl="0" eaLnBrk="1" latinLnBrk="0" hangingPunct="1">
-              <a:lnSpc>
-                <a:spcPct val="90000"/>
-              </a:lnSpc>
-              <a:spcBef>
-                <a:spcPts val="500"/>
-              </a:spcBef>
-              <a:buFont typeface="Arial" panose="020B0604020202020204" pitchFamily="34" charset="0"/>
-              <a:buChar char="•"/>
-              <a:defRPr sz="2400" kern="1200">
-                <a:solidFill>
-                  <a:schemeClr val="tx1"/>
-                </a:solidFill>
-                <a:latin typeface="+mn-lt"/>
-                <a:ea typeface="+mn-ea"/>
-                <a:cs typeface="+mn-cs"/>
-              </a:defRPr>
-            </a:lvl2pPr>
-            <a:lvl3pPr marL="1143000" indent="-228600" algn="l" defTabSz="914400" rtl="0" eaLnBrk="1" latinLnBrk="0" hangingPunct="1">
-              <a:lnSpc>
-                <a:spcPct val="90000"/>
-              </a:lnSpc>
-              <a:spcBef>
-                <a:spcPts val="500"/>
-              </a:spcBef>
-              <a:buFont typeface="Arial" panose="020B0604020202020204" pitchFamily="34" charset="0"/>
-              <a:buChar char="•"/>
-              <a:defRPr sz="2000" kern="1200">
-                <a:solidFill>
-                  <a:schemeClr val="tx1"/>
-                </a:solidFill>
-                <a:latin typeface="+mn-lt"/>
-                <a:ea typeface="+mn-ea"/>
-                <a:cs typeface="+mn-cs"/>
-              </a:defRPr>
-            </a:lvl3pPr>
-            <a:lvl4pPr marL="1600200" indent="-228600" algn="l" defTabSz="914400" rtl="0" eaLnBrk="1" latinLnBrk="0" hangingPunct="1">
-              <a:lnSpc>
-                <a:spcPct val="90000"/>
-              </a:lnSpc>
-              <a:spcBef>
-                <a:spcPts val="500"/>
-              </a:spcBef>
-              <a:buFont typeface="Arial" panose="020B0604020202020204" pitchFamily="34" charset="0"/>
-              <a:buChar char="•"/>
-              <a:defRPr sz="1800" kern="1200">
-                <a:solidFill>
-                  <a:schemeClr val="tx1"/>
-                </a:solidFill>
-                <a:latin typeface="+mn-lt"/>
-                <a:ea typeface="+mn-ea"/>
-                <a:cs typeface="+mn-cs"/>
-              </a:defRPr>
-            </a:lvl4pPr>
-            <a:lvl5pPr marL="2057400" indent="-228600" algn="l" defTabSz="914400" rtl="0" eaLnBrk="1" latinLnBrk="0" hangingPunct="1">
-              <a:lnSpc>
-                <a:spcPct val="90000"/>
-              </a:lnSpc>
-              <a:spcBef>
-                <a:spcPts val="500"/>
-              </a:spcBef>
-              <a:buFont typeface="Arial" panose="020B0604020202020204" pitchFamily="34" charset="0"/>
-              <a:buChar char="•"/>
-              <a:defRPr sz="1800" kern="1200">
-                <a:solidFill>
-                  <a:schemeClr val="tx1"/>
-                </a:solidFill>
-                <a:latin typeface="+mn-lt"/>
-                <a:ea typeface="+mn-ea"/>
-                <a:cs typeface="+mn-cs"/>
-              </a:defRPr>
-            </a:lvl5pPr>
-            <a:lvl6pPr marL="2514600" indent="-228600" algn="l" defTabSz="914400" rtl="0" eaLnBrk="1" latinLnBrk="0" hangingPunct="1">
-              <a:lnSpc>
-                <a:spcPct val="90000"/>
-              </a:lnSpc>
-              <a:spcBef>
-                <a:spcPts val="500"/>
-              </a:spcBef>
-              <a:buFont typeface="Arial" panose="020B0604020202020204" pitchFamily="34" charset="0"/>
-              <a:buChar char="•"/>
-              <a:defRPr sz="1800" kern="1200">
-                <a:solidFill>
-                  <a:schemeClr val="tx1"/>
-                </a:solidFill>
-                <a:latin typeface="+mn-lt"/>
-                <a:ea typeface="+mn-ea"/>
-                <a:cs typeface="+mn-cs"/>
-              </a:defRPr>
-            </a:lvl6pPr>
-            <a:lvl7pPr marL="2971800" indent="-228600" algn="l" defTabSz="914400" rtl="0" eaLnBrk="1" latinLnBrk="0" hangingPunct="1">
-              <a:lnSpc>
-                <a:spcPct val="90000"/>
-              </a:lnSpc>
-              <a:spcBef>
-                <a:spcPts val="500"/>
-              </a:spcBef>
-              <a:buFont typeface="Arial" panose="020B0604020202020204" pitchFamily="34" charset="0"/>
-              <a:buChar char="•"/>
-              <a:defRPr sz="1800" kern="1200">
-                <a:solidFill>
-                  <a:schemeClr val="tx1"/>
-                </a:solidFill>
-                <a:latin typeface="+mn-lt"/>
-                <a:ea typeface="+mn-ea"/>
-                <a:cs typeface="+mn-cs"/>
-              </a:defRPr>
-            </a:lvl7pPr>
-            <a:lvl8pPr marL="3429000" indent="-228600" algn="l" defTabSz="914400" rtl="0" eaLnBrk="1" latinLnBrk="0" hangingPunct="1">
-              <a:lnSpc>
-                <a:spcPct val="90000"/>
-              </a:lnSpc>
-              <a:spcBef>
-                <a:spcPts val="500"/>
-              </a:spcBef>
-              <a:buFont typeface="Arial" panose="020B0604020202020204" pitchFamily="34" charset="0"/>
-              <a:buChar char="•"/>
-              <a:defRPr sz="1800" kern="1200">
-                <a:solidFill>
-                  <a:schemeClr val="tx1"/>
-                </a:solidFill>
-                <a:latin typeface="+mn-lt"/>
-                <a:ea typeface="+mn-ea"/>
-                <a:cs typeface="+mn-cs"/>
-              </a:defRPr>
-            </a:lvl8pPr>
-            <a:lvl9pPr marL="3886200" indent="-228600" algn="l" defTabSz="914400" rtl="0" eaLnBrk="1" latinLnBrk="0" hangingPunct="1">
-              <a:lnSpc>
-                <a:spcPct val="90000"/>
-              </a:lnSpc>
-              <a:spcBef>
-                <a:spcPts val="500"/>
-              </a:spcBef>
-              <a:buFont typeface="Arial" panose="020B0604020202020204" pitchFamily="34" charset="0"/>
-              <a:buChar char="•"/>
-              <a:defRPr sz="1800" kern="1200">
-                <a:solidFill>
-                  <a:schemeClr val="tx1"/>
-                </a:solidFill>
-                <a:latin typeface="+mn-lt"/>
-                <a:ea typeface="+mn-ea"/>
-                <a:cs typeface="+mn-cs"/>
-              </a:defRPr>
-            </a:lvl9pPr>
-          </a:lstStyle>
-          <a:p>
-            <a:pPr marL="0" indent="0">
-              <a:buFont typeface="Arial" panose="020B0604020202020204" pitchFamily="34" charset="0"/>
-              <a:buNone/>
-            </a:pPr>
-            <a:r>
-              <a:rPr lang="en-US" dirty="0"/>
-              <a:t>&amp;box</a:t>
-            </a:r>
-          </a:p>
-          <a:p>
-            <a:pPr marL="0" indent="0">
-              <a:buFont typeface="Arial" panose="020B0604020202020204" pitchFamily="34" charset="0"/>
-              <a:buNone/>
-            </a:pPr>
-            <a:r>
-              <a:rPr lang="en-US" dirty="0"/>
-              <a:t>x0     =   0.98  ! 0.98, 0.97, 0.96, 0.95, 0.94</a:t>
-            </a:r>
-          </a:p>
-          <a:p>
-            <a:pPr marL="0" indent="0">
-              <a:buFont typeface="Arial" panose="020B0604020202020204" pitchFamily="34" charset="0"/>
-              <a:buNone/>
-            </a:pPr>
-            <a:r>
-              <a:rPr lang="en-US" dirty="0" err="1"/>
-              <a:t>n_spec</a:t>
-            </a:r>
-            <a:r>
-              <a:rPr lang="en-US" dirty="0"/>
-              <a:t> =   3	 ! # species</a:t>
-            </a:r>
-          </a:p>
-          <a:p>
-            <a:pPr marL="0" indent="0">
-              <a:buFont typeface="Arial" panose="020B0604020202020204" pitchFamily="34" charset="0"/>
-              <a:buNone/>
-            </a:pPr>
-            <a:r>
-              <a:rPr lang="en-US" b="1" dirty="0">
-                <a:solidFill>
-                  <a:srgbClr val="FF0000"/>
-                </a:solidFill>
-              </a:rPr>
-              <a:t>nx0    =   9</a:t>
-            </a:r>
-            <a:r>
-              <a:rPr lang="en-US" dirty="0"/>
-              <a:t>	 ! # radial grid pts</a:t>
-            </a:r>
-          </a:p>
-          <a:p>
-            <a:pPr marL="0" indent="0">
-              <a:buFont typeface="Arial" panose="020B0604020202020204" pitchFamily="34" charset="0"/>
-              <a:buNone/>
-            </a:pPr>
-            <a:r>
-              <a:rPr lang="en-US" dirty="0"/>
-              <a:t>nky0   =   1	 ! # </a:t>
-            </a:r>
-            <a:r>
-              <a:rPr lang="en-US" dirty="0" err="1"/>
-              <a:t>kys</a:t>
-            </a:r>
-            <a:endParaRPr lang="en-US" dirty="0"/>
-          </a:p>
-          <a:p>
-            <a:pPr marL="0" indent="0">
-              <a:buFont typeface="Arial" panose="020B0604020202020204" pitchFamily="34" charset="0"/>
-              <a:buNone/>
-            </a:pPr>
-            <a:r>
-              <a:rPr lang="en-US" dirty="0"/>
-              <a:t>nz0    =   192	 ! # parallel grid pts</a:t>
-            </a:r>
-          </a:p>
-          <a:p>
-            <a:pPr marL="0" indent="0">
-              <a:buFont typeface="Arial" panose="020B0604020202020204" pitchFamily="34" charset="0"/>
-              <a:buNone/>
-            </a:pPr>
-            <a:r>
-              <a:rPr lang="en-US" dirty="0"/>
-              <a:t>nv0    =   48	 ! # </a:t>
-            </a:r>
-            <a:r>
-              <a:rPr lang="en-US" dirty="0" err="1"/>
-              <a:t>vpar</a:t>
-            </a:r>
-            <a:r>
-              <a:rPr lang="en-US" dirty="0"/>
-              <a:t> grid points</a:t>
-            </a:r>
-          </a:p>
-          <a:p>
-            <a:pPr marL="0" indent="0">
-              <a:buFont typeface="Arial" panose="020B0604020202020204" pitchFamily="34" charset="0"/>
-              <a:buNone/>
-            </a:pPr>
-            <a:r>
-              <a:rPr lang="en-US" dirty="0"/>
-              <a:t>nw0    =   24	 ! # mu grid points</a:t>
-            </a:r>
-          </a:p>
-          <a:p>
-            <a:pPr marL="0" indent="0">
-              <a:buFont typeface="Arial" panose="020B0604020202020204" pitchFamily="34" charset="0"/>
-              <a:buNone/>
-            </a:pPr>
-            <a:r>
-              <a:rPr lang="en-US" dirty="0"/>
-              <a:t>lx    =       125.628     ! box length in x</a:t>
-            </a:r>
-          </a:p>
-          <a:p>
-            <a:pPr marL="0" indent="0">
-              <a:buFont typeface="Arial" panose="020B0604020202020204" pitchFamily="34" charset="0"/>
-              <a:buNone/>
-            </a:pPr>
-            <a:r>
-              <a:rPr lang="en-US" dirty="0" err="1"/>
-              <a:t>kymin</a:t>
-            </a:r>
-            <a:r>
-              <a:rPr lang="en-US" dirty="0"/>
-              <a:t> =     0.25     </a:t>
-            </a:r>
-          </a:p>
-          <a:p>
-            <a:pPr marL="0" indent="0">
-              <a:buFont typeface="Arial" panose="020B0604020202020204" pitchFamily="34" charset="0"/>
-              <a:buNone/>
-            </a:pPr>
-            <a:r>
-              <a:rPr lang="en-US" dirty="0"/>
-              <a:t>lv    =     3.00     ! domain in </a:t>
-            </a:r>
-            <a:r>
-              <a:rPr lang="en-US" dirty="0" err="1"/>
-              <a:t>vpar</a:t>
-            </a:r>
-            <a:endParaRPr lang="en-US" dirty="0"/>
-          </a:p>
-          <a:p>
-            <a:pPr marL="0" indent="0">
-              <a:buFont typeface="Arial" panose="020B0604020202020204" pitchFamily="34" charset="0"/>
-              <a:buNone/>
-            </a:pPr>
-            <a:r>
-              <a:rPr lang="en-US" dirty="0" err="1"/>
-              <a:t>lw</a:t>
-            </a:r>
-            <a:r>
-              <a:rPr lang="en-US" dirty="0"/>
-              <a:t>    =     9.00     ! domain in mu</a:t>
-            </a:r>
-          </a:p>
-          <a:p>
-            <a:pPr marL="0" indent="0">
-              <a:buFont typeface="Arial" panose="020B0604020202020204" pitchFamily="34" charset="0"/>
-              <a:buNone/>
-            </a:pPr>
-            <a:r>
-              <a:rPr lang="en-US" dirty="0" err="1"/>
-              <a:t>kx_center</a:t>
-            </a:r>
-            <a:r>
-              <a:rPr lang="en-US" dirty="0"/>
-              <a:t> = 0   </a:t>
-            </a:r>
-          </a:p>
-          <a:p>
-            <a:pPr marL="0" indent="0">
-              <a:buFont typeface="Arial" panose="020B0604020202020204" pitchFamily="34" charset="0"/>
-              <a:buNone/>
-            </a:pPr>
-            <a:endParaRPr lang="en-US" dirty="0"/>
-          </a:p>
-          <a:p>
-            <a:pPr marL="0" indent="0">
-              <a:buFont typeface="Arial" panose="020B0604020202020204" pitchFamily="34" charset="0"/>
-              <a:buNone/>
-            </a:pPr>
-            <a:r>
-              <a:rPr lang="en-US" dirty="0"/>
-              <a:t>&amp;general</a:t>
-            </a:r>
-          </a:p>
-        </p:txBody>
-      </p:sp>
+      </p:pic>
     </p:spTree>
     <p:extLst>
       <p:ext uri="{BB962C8B-B14F-4D97-AF65-F5344CB8AC3E}">
-        <p14:creationId xmlns:p14="http://schemas.microsoft.com/office/powerpoint/2010/main" val="1762141174"/>
+        <p14:creationId xmlns:p14="http://schemas.microsoft.com/office/powerpoint/2010/main" val="3636468166"/>
       </p:ext>
     </p:extLst>
   </p:cSld>
@@ -4272,7 +3761,7 @@
           <p:cNvPr id="2" name="Title 1">
             <a:extLst>
               <a:ext uri="{FF2B5EF4-FFF2-40B4-BE49-F238E27FC236}">
-                <a16:creationId xmlns:a16="http://schemas.microsoft.com/office/drawing/2014/main" id="{68ECDB2C-C4E3-4FF5-A3F3-161744C06757}"/>
+                <a16:creationId xmlns:a16="http://schemas.microsoft.com/office/drawing/2014/main" id="{7B98BB72-5B49-4860-8B1B-AD6F96EE722B}"/>
               </a:ext>
             </a:extLst>
           </p:cNvPr>
@@ -4290,7 +3779,7 @@
           <a:p>
             <a:r>
               <a:rPr lang="en-US" dirty="0"/>
-              <a:t>Global</a:t>
+              <a:t>Data structure(field, mom)</a:t>
             </a:r>
           </a:p>
         </p:txBody>
@@ -4300,7 +3789,7 @@
           <p:cNvPr id="3" name="Content Placeholder 2">
             <a:extLst>
               <a:ext uri="{FF2B5EF4-FFF2-40B4-BE49-F238E27FC236}">
-                <a16:creationId xmlns:a16="http://schemas.microsoft.com/office/drawing/2014/main" id="{823AFF4E-CDEB-4325-9E95-3DD1213A1C9C}"/>
+                <a16:creationId xmlns:a16="http://schemas.microsoft.com/office/drawing/2014/main" id="{A639752F-ECB0-48BF-810B-BE65F6A8103F}"/>
               </a:ext>
             </a:extLst>
           </p:cNvPr>
@@ -4318,43 +3807,64 @@
           <a:p>
             <a:r>
               <a:rPr lang="en-US" dirty="0"/>
-              <a:t>Simulation range</a:t>
-            </a:r>
-          </a:p>
-          <a:p>
-            <a:pPr marL="0" indent="0">
-              <a:buNone/>
-            </a:pPr>
+              <a:t>Nonlinear: Phi[</a:t>
+            </a:r>
+            <a:r>
+              <a:rPr lang="en-US" dirty="0" err="1"/>
+              <a:t>i_kx</a:t>
+            </a:r>
             <a:r>
               <a:rPr lang="en-US" dirty="0"/>
-              <a:t>(x0 - </a:t>
+              <a:t>, </a:t>
             </a:r>
             <a:r>
               <a:rPr lang="en-US" dirty="0" err="1"/>
-              <a:t>lx_a</a:t>
+              <a:t>i_ky</a:t>
             </a:r>
             <a:r>
               <a:rPr lang="en-US" dirty="0"/>
-              <a:t>/2) ~ (x0 +</a:t>
+              <a:t>, </a:t>
             </a:r>
             <a:r>
               <a:rPr lang="en-US" dirty="0" err="1"/>
-              <a:t>lx_a</a:t>
+              <a:t>i_z</a:t>
             </a:r>
             <a:r>
               <a:rPr lang="en-US" dirty="0"/>
-              <a:t>/2) </a:t>
-            </a:r>
-          </a:p>
-          <a:p>
-            <a:endParaRPr lang="en-US" i="1" dirty="0"/>
+              <a:t>]</a:t>
+            </a:r>
+          </a:p>
+          <a:p>
+            <a:r>
+              <a:rPr lang="en-US" dirty="0"/>
+              <a:t>Linear: Phi[</a:t>
+            </a:r>
+            <a:r>
+              <a:rPr lang="en-US" dirty="0" err="1"/>
+              <a:t>i_x</a:t>
+            </a:r>
+            <a:r>
+              <a:rPr lang="en-US" dirty="0"/>
+              <a:t>, 0, </a:t>
+            </a:r>
+            <a:r>
+              <a:rPr lang="en-US" dirty="0" err="1"/>
+              <a:t>i_z</a:t>
+            </a:r>
+            <a:r>
+              <a:rPr lang="en-US" dirty="0"/>
+              <a:t>]</a:t>
+            </a:r>
+          </a:p>
+          <a:p>
+            <a:endParaRPr lang="en-US" dirty="0"/>
           </a:p>
         </p:txBody>
       </p:sp>
     </p:spTree>
     <p:extLst>
       <p:ext uri="{BB962C8B-B14F-4D97-AF65-F5344CB8AC3E}">
-        <p14:creationId xmlns:p14="http://schemas.microsoft.com/office/powerpoint/2010/main" val="4173251723"/>
+        <p14:creationId xmlns:p14="http://schemas.microsoft.com/office/powerpoint/2010/main" val="1554621307"/>
       </p:ext>
     </p:extLst>
   </p:cSld>
@@ -4386,7 +3896,7 @@
           <p:cNvPr id="2" name="Title 1">
             <a:extLst>
               <a:ext uri="{FF2B5EF4-FFF2-40B4-BE49-F238E27FC236}">
-                <a16:creationId xmlns:a16="http://schemas.microsoft.com/office/drawing/2014/main" id="{A060E2E6-E318-48EF-9E9F-A509AC3D6D7A}"/>
+                <a16:creationId xmlns:a16="http://schemas.microsoft.com/office/drawing/2014/main" id="{BC52733A-9A36-4CB3-824F-17FAE7FDE4F1}"/>
               </a:ext>
             </a:extLst>
           </p:cNvPr>
@@ -4397,19 +3907,14 @@
             <p:ph type="title"/>
           </p:nvPr>
         </p:nvSpPr>
-        <p:spPr>
-          <a:xfrm>
-            <a:off x="838200" y="-142204"/>
-            <a:ext cx="1878367" cy="1325563"/>
-          </a:xfrm>
-        </p:spPr>
+        <p:spPr/>
         <p:txBody>
           <a:bodyPr/>
           <a:lstStyle/>
           <a:p>
             <a:r>
               <a:rPr lang="en-US" dirty="0"/>
-              <a:t>Linear</a:t>
+              <a:t>Common quantities</a:t>
             </a:r>
           </a:p>
         </p:txBody>
@@ -4419,7 +3924,7 @@
           <p:cNvPr id="3" name="Content Placeholder 2">
             <a:extLst>
               <a:ext uri="{FF2B5EF4-FFF2-40B4-BE49-F238E27FC236}">
-                <a16:creationId xmlns:a16="http://schemas.microsoft.com/office/drawing/2014/main" id="{B4B9AAE2-88D5-4A1E-AED6-A4CDABD8F9CE}"/>
+                <a16:creationId xmlns:a16="http://schemas.microsoft.com/office/drawing/2014/main" id="{247B350B-44BF-491A-B06A-3796E362824D}"/>
               </a:ext>
             </a:extLst>
           </p:cNvPr>
@@ -4430,674 +3935,30 @@
             <p:ph idx="1"/>
           </p:nvPr>
         </p:nvSpPr>
-        <p:spPr>
-          <a:xfrm>
-            <a:off x="838200" y="870012"/>
-            <a:ext cx="3884720" cy="5805996"/>
-          </a:xfrm>
-        </p:spPr>
-        <p:txBody>
-          <a:bodyPr>
-            <a:normAutofit fontScale="62500" lnSpcReduction="20000"/>
-          </a:bodyPr>
-          <a:lstStyle/>
-          <a:p>
-            <a:pPr marL="0" indent="0">
-              <a:buFont typeface="Arial" panose="020B0604020202020204" pitchFamily="34" charset="0"/>
-              <a:buNone/>
-            </a:pPr>
-            <a:r>
-              <a:rPr lang="en-US" dirty="0"/>
-              <a:t>&amp;box</a:t>
-            </a:r>
-          </a:p>
-          <a:p>
-            <a:pPr marL="0" indent="0">
-              <a:buFont typeface="Arial" panose="020B0604020202020204" pitchFamily="34" charset="0"/>
-              <a:buNone/>
-            </a:pPr>
-            <a:r>
-              <a:rPr lang="en-US" dirty="0"/>
-              <a:t>x0     =   0.98  ! 0.98, 0.97, 0.96, 0.95, 0.94</a:t>
-            </a:r>
-          </a:p>
-          <a:p>
-            <a:pPr marL="0" indent="0">
-              <a:buFont typeface="Arial" panose="020B0604020202020204" pitchFamily="34" charset="0"/>
-              <a:buNone/>
-            </a:pPr>
+        <p:spPr/>
+        <p:txBody>
+          <a:bodyPr/>
+          <a:lstStyle/>
+          <a:p>
             <a:r>
               <a:rPr lang="en-US" dirty="0" err="1"/>
-              <a:t>n_spec</a:t>
-            </a:r>
-            <a:r>
-              <a:rPr lang="en-US" dirty="0"/>
-              <a:t> =   3	 ! # species</a:t>
-            </a:r>
-          </a:p>
-          <a:p>
-            <a:pPr marL="0" indent="0">
-              <a:buFont typeface="Arial" panose="020B0604020202020204" pitchFamily="34" charset="0"/>
-              <a:buNone/>
-            </a:pPr>
-            <a:r>
-              <a:rPr lang="en-US" b="1" dirty="0">
-                <a:solidFill>
-                  <a:srgbClr val="FF0000"/>
-                </a:solidFill>
-              </a:rPr>
-              <a:t>nx0    =   9</a:t>
-            </a:r>
-            <a:r>
-              <a:rPr lang="en-US" dirty="0"/>
-              <a:t>	 ! # radial grid pts</a:t>
-            </a:r>
-          </a:p>
-          <a:p>
-            <a:pPr marL="0" indent="0">
-              <a:buFont typeface="Arial" panose="020B0604020202020204" pitchFamily="34" charset="0"/>
-              <a:buNone/>
-            </a:pPr>
-            <a:r>
-              <a:rPr lang="en-US" b="1" dirty="0">
-                <a:solidFill>
-                  <a:srgbClr val="FF0000"/>
-                </a:solidFill>
-              </a:rPr>
-              <a:t>nky0   =   1</a:t>
-            </a:r>
-            <a:r>
-              <a:rPr lang="en-US" dirty="0"/>
-              <a:t>	 ! # </a:t>
-            </a:r>
-            <a:r>
-              <a:rPr lang="en-US" dirty="0" err="1"/>
-              <a:t>kys</a:t>
+              <a:t>Tref</a:t>
+            </a:r>
+            <a:r>
+              <a:rPr lang="en-US"/>
+              <a:t>: default electron </a:t>
             </a:r>
             <a:endParaRPr lang="en-US" dirty="0"/>
           </a:p>
           <a:p>
-            <a:pPr marL="0" indent="0">
-              <a:buFont typeface="Arial" panose="020B0604020202020204" pitchFamily="34" charset="0"/>
-              <a:buNone/>
-            </a:pPr>
-            <a:r>
-              <a:rPr lang="en-US" dirty="0"/>
-              <a:t>nz0    =   192	 ! # parallel grid pts</a:t>
-            </a:r>
-          </a:p>
-          <a:p>
-            <a:pPr marL="0" indent="0">
-              <a:buFont typeface="Arial" panose="020B0604020202020204" pitchFamily="34" charset="0"/>
-              <a:buNone/>
-            </a:pPr>
-            <a:r>
-              <a:rPr lang="en-US" dirty="0"/>
-              <a:t>nv0    =   48	 ! # </a:t>
-            </a:r>
-            <a:r>
-              <a:rPr lang="en-US" dirty="0" err="1"/>
-              <a:t>vpar</a:t>
-            </a:r>
-            <a:r>
-              <a:rPr lang="en-US" dirty="0"/>
-              <a:t> grid points</a:t>
-            </a:r>
-          </a:p>
-          <a:p>
-            <a:pPr marL="0" indent="0">
-              <a:buFont typeface="Arial" panose="020B0604020202020204" pitchFamily="34" charset="0"/>
-              <a:buNone/>
-            </a:pPr>
-            <a:r>
-              <a:rPr lang="en-US" dirty="0"/>
-              <a:t>nw0    =   24	 ! # mu grid points</a:t>
-            </a:r>
-          </a:p>
-          <a:p>
-            <a:pPr marL="0" indent="0">
-              <a:buFont typeface="Arial" panose="020B0604020202020204" pitchFamily="34" charset="0"/>
-              <a:buNone/>
-            </a:pPr>
-            <a:r>
-              <a:rPr lang="en-US" dirty="0"/>
-              <a:t>lx    =       125.628     ! box length in x</a:t>
-            </a:r>
-          </a:p>
-          <a:p>
-            <a:pPr marL="0" indent="0">
-              <a:buFont typeface="Arial" panose="020B0604020202020204" pitchFamily="34" charset="0"/>
-              <a:buNone/>
-            </a:pPr>
-            <a:r>
-              <a:rPr lang="en-US" dirty="0" err="1"/>
-              <a:t>kymin</a:t>
-            </a:r>
-            <a:r>
-              <a:rPr lang="en-US" dirty="0"/>
-              <a:t> =     0.25     </a:t>
-            </a:r>
-          </a:p>
-          <a:p>
-            <a:pPr marL="0" indent="0">
-              <a:buFont typeface="Arial" panose="020B0604020202020204" pitchFamily="34" charset="0"/>
-              <a:buNone/>
-            </a:pPr>
-            <a:r>
-              <a:rPr lang="en-US" dirty="0"/>
-              <a:t>lv    =     3.00     ! domain in </a:t>
-            </a:r>
-            <a:r>
-              <a:rPr lang="en-US" dirty="0" err="1"/>
-              <a:t>vpar</a:t>
-            </a:r>
             <a:endParaRPr lang="en-US" dirty="0"/>
-          </a:p>
-          <a:p>
-            <a:pPr marL="0" indent="0">
-              <a:buFont typeface="Arial" panose="020B0604020202020204" pitchFamily="34" charset="0"/>
-              <a:buNone/>
-            </a:pPr>
-            <a:r>
-              <a:rPr lang="en-US" dirty="0" err="1"/>
-              <a:t>lw</a:t>
-            </a:r>
-            <a:r>
-              <a:rPr lang="en-US" dirty="0"/>
-              <a:t>    =     9.00     ! domain in mu</a:t>
-            </a:r>
-          </a:p>
-          <a:p>
-            <a:pPr marL="0" indent="0">
-              <a:buFont typeface="Arial" panose="020B0604020202020204" pitchFamily="34" charset="0"/>
-              <a:buNone/>
-            </a:pPr>
-            <a:r>
-              <a:rPr lang="en-US" b="1" dirty="0" err="1">
-                <a:solidFill>
-                  <a:srgbClr val="FF0000"/>
-                </a:solidFill>
-              </a:rPr>
-              <a:t>kx_center</a:t>
-            </a:r>
-            <a:r>
-              <a:rPr lang="en-US" b="1" dirty="0">
-                <a:solidFill>
-                  <a:srgbClr val="FF0000"/>
-                </a:solidFill>
-              </a:rPr>
-              <a:t> = 0   </a:t>
-            </a:r>
-          </a:p>
-          <a:p>
-            <a:pPr marL="0" indent="0">
-              <a:buFont typeface="Arial" panose="020B0604020202020204" pitchFamily="34" charset="0"/>
-              <a:buNone/>
-            </a:pPr>
-            <a:endParaRPr lang="en-US" dirty="0"/>
-          </a:p>
-          <a:p>
-            <a:pPr marL="0" indent="0">
-              <a:buFont typeface="Arial" panose="020B0604020202020204" pitchFamily="34" charset="0"/>
-              <a:buNone/>
-            </a:pPr>
-            <a:r>
-              <a:rPr lang="en-US" dirty="0"/>
-              <a:t>&amp;general</a:t>
-            </a:r>
-          </a:p>
-          <a:p>
-            <a:pPr marL="0" indent="0">
-              <a:buFont typeface="Arial" panose="020B0604020202020204" pitchFamily="34" charset="0"/>
-              <a:buNone/>
-            </a:pPr>
-            <a:r>
-              <a:rPr lang="en-US" b="1" dirty="0">
-                <a:solidFill>
-                  <a:srgbClr val="FF0000"/>
-                </a:solidFill>
-              </a:rPr>
-              <a:t>nonlinear = F</a:t>
-            </a:r>
-          </a:p>
-        </p:txBody>
-      </p:sp>
-      <p:sp>
-        <p:nvSpPr>
-          <p:cNvPr id="5" name="TextBox 4">
-            <a:extLst>
-              <a:ext uri="{FF2B5EF4-FFF2-40B4-BE49-F238E27FC236}">
-                <a16:creationId xmlns:a16="http://schemas.microsoft.com/office/drawing/2014/main" id="{3345C35B-9E84-4A0C-AC76-554A0961B5E0}"/>
-              </a:ext>
-            </a:extLst>
-          </p:cNvPr>
-          <p:cNvSpPr txBox="1"/>
-          <p:nvPr/>
-        </p:nvSpPr>
-        <p:spPr>
-          <a:xfrm>
-            <a:off x="7180556" y="100571"/>
-            <a:ext cx="2762435" cy="769441"/>
-          </a:xfrm>
-          <a:prstGeom prst="rect">
-            <a:avLst/>
-          </a:prstGeom>
-          <a:noFill/>
-        </p:spPr>
-        <p:txBody>
-          <a:bodyPr wrap="square">
-            <a:spAutoFit/>
-          </a:bodyPr>
-          <a:lstStyle/>
-          <a:p>
-            <a:r>
-              <a:rPr lang="en-US" sz="4400" dirty="0">
-                <a:latin typeface="+mj-lt"/>
-                <a:ea typeface="+mj-ea"/>
-                <a:cs typeface="+mj-cs"/>
-              </a:rPr>
-              <a:t>Nonlinear</a:t>
-            </a:r>
-          </a:p>
-        </p:txBody>
-      </p:sp>
-      <p:sp>
-        <p:nvSpPr>
-          <p:cNvPr id="6" name="Content Placeholder 2">
-            <a:extLst>
-              <a:ext uri="{FF2B5EF4-FFF2-40B4-BE49-F238E27FC236}">
-                <a16:creationId xmlns:a16="http://schemas.microsoft.com/office/drawing/2014/main" id="{E26DD0DD-450A-4BA7-AD0A-45E83F97219E}"/>
-              </a:ext>
-            </a:extLst>
-          </p:cNvPr>
-          <p:cNvSpPr txBox="1">
-            <a:spLocks/>
-          </p:cNvSpPr>
-          <p:nvPr/>
-        </p:nvSpPr>
-        <p:spPr>
-          <a:xfrm>
-            <a:off x="7000782" y="884644"/>
-            <a:ext cx="4877540" cy="5805996"/>
-          </a:xfrm>
-          <a:prstGeom prst="rect">
-            <a:avLst/>
-          </a:prstGeom>
-        </p:spPr>
-        <p:txBody>
-          <a:bodyPr vert="horz" lIns="91440" tIns="45720" rIns="91440" bIns="45720" rtlCol="0">
-            <a:normAutofit fontScale="85000" lnSpcReduction="20000"/>
-          </a:bodyPr>
-          <a:lstStyle>
-            <a:lvl1pPr marL="228600" indent="-228600" algn="l" defTabSz="914400" rtl="0" eaLnBrk="1" latinLnBrk="0" hangingPunct="1">
-              <a:lnSpc>
-                <a:spcPct val="90000"/>
-              </a:lnSpc>
-              <a:spcBef>
-                <a:spcPts val="1000"/>
-              </a:spcBef>
-              <a:buFont typeface="Arial" panose="020B0604020202020204" pitchFamily="34" charset="0"/>
-              <a:buChar char="•"/>
-              <a:defRPr sz="2800" kern="1200">
-                <a:solidFill>
-                  <a:schemeClr val="tx1"/>
-                </a:solidFill>
-                <a:latin typeface="+mn-lt"/>
-                <a:ea typeface="+mn-ea"/>
-                <a:cs typeface="+mn-cs"/>
-              </a:defRPr>
-            </a:lvl1pPr>
-            <a:lvl2pPr marL="685800" indent="-228600" algn="l" defTabSz="914400" rtl="0" eaLnBrk="1" latinLnBrk="0" hangingPunct="1">
-              <a:lnSpc>
-                <a:spcPct val="90000"/>
-              </a:lnSpc>
-              <a:spcBef>
-                <a:spcPts val="500"/>
-              </a:spcBef>
-              <a:buFont typeface="Arial" panose="020B0604020202020204" pitchFamily="34" charset="0"/>
-              <a:buChar char="•"/>
-              <a:defRPr sz="2400" kern="1200">
-                <a:solidFill>
-                  <a:schemeClr val="tx1"/>
-                </a:solidFill>
-                <a:latin typeface="+mn-lt"/>
-                <a:ea typeface="+mn-ea"/>
-                <a:cs typeface="+mn-cs"/>
-              </a:defRPr>
-            </a:lvl2pPr>
-            <a:lvl3pPr marL="1143000" indent="-228600" algn="l" defTabSz="914400" rtl="0" eaLnBrk="1" latinLnBrk="0" hangingPunct="1">
-              <a:lnSpc>
-                <a:spcPct val="90000"/>
-              </a:lnSpc>
-              <a:spcBef>
-                <a:spcPts val="500"/>
-              </a:spcBef>
-              <a:buFont typeface="Arial" panose="020B0604020202020204" pitchFamily="34" charset="0"/>
-              <a:buChar char="•"/>
-              <a:defRPr sz="2000" kern="1200">
-                <a:solidFill>
-                  <a:schemeClr val="tx1"/>
-                </a:solidFill>
-                <a:latin typeface="+mn-lt"/>
-                <a:ea typeface="+mn-ea"/>
-                <a:cs typeface="+mn-cs"/>
-              </a:defRPr>
-            </a:lvl3pPr>
-            <a:lvl4pPr marL="1600200" indent="-228600" algn="l" defTabSz="914400" rtl="0" eaLnBrk="1" latinLnBrk="0" hangingPunct="1">
-              <a:lnSpc>
-                <a:spcPct val="90000"/>
-              </a:lnSpc>
-              <a:spcBef>
-                <a:spcPts val="500"/>
-              </a:spcBef>
-              <a:buFont typeface="Arial" panose="020B0604020202020204" pitchFamily="34" charset="0"/>
-              <a:buChar char="•"/>
-              <a:defRPr sz="1800" kern="1200">
-                <a:solidFill>
-                  <a:schemeClr val="tx1"/>
-                </a:solidFill>
-                <a:latin typeface="+mn-lt"/>
-                <a:ea typeface="+mn-ea"/>
-                <a:cs typeface="+mn-cs"/>
-              </a:defRPr>
-            </a:lvl4pPr>
-            <a:lvl5pPr marL="2057400" indent="-228600" algn="l" defTabSz="914400" rtl="0" eaLnBrk="1" latinLnBrk="0" hangingPunct="1">
-              <a:lnSpc>
-                <a:spcPct val="90000"/>
-              </a:lnSpc>
-              <a:spcBef>
-                <a:spcPts val="500"/>
-              </a:spcBef>
-              <a:buFont typeface="Arial" panose="020B0604020202020204" pitchFamily="34" charset="0"/>
-              <a:buChar char="•"/>
-              <a:defRPr sz="1800" kern="1200">
-                <a:solidFill>
-                  <a:schemeClr val="tx1"/>
-                </a:solidFill>
-                <a:latin typeface="+mn-lt"/>
-                <a:ea typeface="+mn-ea"/>
-                <a:cs typeface="+mn-cs"/>
-              </a:defRPr>
-            </a:lvl5pPr>
-            <a:lvl6pPr marL="2514600" indent="-228600" algn="l" defTabSz="914400" rtl="0" eaLnBrk="1" latinLnBrk="0" hangingPunct="1">
-              <a:lnSpc>
-                <a:spcPct val="90000"/>
-              </a:lnSpc>
-              <a:spcBef>
-                <a:spcPts val="500"/>
-              </a:spcBef>
-              <a:buFont typeface="Arial" panose="020B0604020202020204" pitchFamily="34" charset="0"/>
-              <a:buChar char="•"/>
-              <a:defRPr sz="1800" kern="1200">
-                <a:solidFill>
-                  <a:schemeClr val="tx1"/>
-                </a:solidFill>
-                <a:latin typeface="+mn-lt"/>
-                <a:ea typeface="+mn-ea"/>
-                <a:cs typeface="+mn-cs"/>
-              </a:defRPr>
-            </a:lvl6pPr>
-            <a:lvl7pPr marL="2971800" indent="-228600" algn="l" defTabSz="914400" rtl="0" eaLnBrk="1" latinLnBrk="0" hangingPunct="1">
-              <a:lnSpc>
-                <a:spcPct val="90000"/>
-              </a:lnSpc>
-              <a:spcBef>
-                <a:spcPts val="500"/>
-              </a:spcBef>
-              <a:buFont typeface="Arial" panose="020B0604020202020204" pitchFamily="34" charset="0"/>
-              <a:buChar char="•"/>
-              <a:defRPr sz="1800" kern="1200">
-                <a:solidFill>
-                  <a:schemeClr val="tx1"/>
-                </a:solidFill>
-                <a:latin typeface="+mn-lt"/>
-                <a:ea typeface="+mn-ea"/>
-                <a:cs typeface="+mn-cs"/>
-              </a:defRPr>
-            </a:lvl7pPr>
-            <a:lvl8pPr marL="3429000" indent="-228600" algn="l" defTabSz="914400" rtl="0" eaLnBrk="1" latinLnBrk="0" hangingPunct="1">
-              <a:lnSpc>
-                <a:spcPct val="90000"/>
-              </a:lnSpc>
-              <a:spcBef>
-                <a:spcPts val="500"/>
-              </a:spcBef>
-              <a:buFont typeface="Arial" panose="020B0604020202020204" pitchFamily="34" charset="0"/>
-              <a:buChar char="•"/>
-              <a:defRPr sz="1800" kern="1200">
-                <a:solidFill>
-                  <a:schemeClr val="tx1"/>
-                </a:solidFill>
-                <a:latin typeface="+mn-lt"/>
-                <a:ea typeface="+mn-ea"/>
-                <a:cs typeface="+mn-cs"/>
-              </a:defRPr>
-            </a:lvl8pPr>
-            <a:lvl9pPr marL="3886200" indent="-228600" algn="l" defTabSz="914400" rtl="0" eaLnBrk="1" latinLnBrk="0" hangingPunct="1">
-              <a:lnSpc>
-                <a:spcPct val="90000"/>
-              </a:lnSpc>
-              <a:spcBef>
-                <a:spcPts val="500"/>
-              </a:spcBef>
-              <a:buFont typeface="Arial" panose="020B0604020202020204" pitchFamily="34" charset="0"/>
-              <a:buChar char="•"/>
-              <a:defRPr sz="1800" kern="1200">
-                <a:solidFill>
-                  <a:schemeClr val="tx1"/>
-                </a:solidFill>
-                <a:latin typeface="+mn-lt"/>
-                <a:ea typeface="+mn-ea"/>
-                <a:cs typeface="+mn-cs"/>
-              </a:defRPr>
-            </a:lvl9pPr>
-          </a:lstStyle>
-          <a:p>
-            <a:pPr marL="0" indent="0">
-              <a:buFont typeface="Arial" panose="020B0604020202020204" pitchFamily="34" charset="0"/>
-              <a:buNone/>
-            </a:pPr>
-            <a:r>
-              <a:rPr lang="en-US" dirty="0"/>
-              <a:t>&amp;box</a:t>
-            </a:r>
-          </a:p>
-          <a:p>
-            <a:pPr marL="0" indent="0">
-              <a:buFont typeface="Arial" panose="020B0604020202020204" pitchFamily="34" charset="0"/>
-              <a:buNone/>
-            </a:pPr>
-            <a:r>
-              <a:rPr lang="en-US" dirty="0"/>
-              <a:t>x0     =   0.98</a:t>
-            </a:r>
-          </a:p>
-          <a:p>
-            <a:pPr marL="0" indent="0">
-              <a:buFont typeface="Arial" panose="020B0604020202020204" pitchFamily="34" charset="0"/>
-              <a:buNone/>
-            </a:pPr>
-            <a:r>
-              <a:rPr lang="en-US" dirty="0" err="1"/>
-              <a:t>n_spec</a:t>
-            </a:r>
-            <a:r>
-              <a:rPr lang="en-US" dirty="0"/>
-              <a:t> =   3	 ! # species</a:t>
-            </a:r>
-          </a:p>
-          <a:p>
-            <a:pPr marL="0" indent="0">
-              <a:buFont typeface="Arial" panose="020B0604020202020204" pitchFamily="34" charset="0"/>
-              <a:buNone/>
-            </a:pPr>
-            <a:r>
-              <a:rPr lang="en-US" b="1" dirty="0">
-                <a:solidFill>
-                  <a:srgbClr val="FF0000"/>
-                </a:solidFill>
-              </a:rPr>
-              <a:t>nx0    =   128</a:t>
-            </a:r>
-            <a:r>
-              <a:rPr lang="en-US" dirty="0"/>
-              <a:t>	 ! # radial grid pts</a:t>
-            </a:r>
-          </a:p>
-          <a:p>
-            <a:pPr marL="0" indent="0">
-              <a:buFont typeface="Arial" panose="020B0604020202020204" pitchFamily="34" charset="0"/>
-              <a:buNone/>
-            </a:pPr>
-            <a:r>
-              <a:rPr lang="en-US" b="1" dirty="0">
-                <a:solidFill>
-                  <a:srgbClr val="FF0000"/>
-                </a:solidFill>
-              </a:rPr>
-              <a:t>nky0   =   24</a:t>
-            </a:r>
-            <a:r>
-              <a:rPr lang="en-US" dirty="0"/>
-              <a:t>	 ! # </a:t>
-            </a:r>
-            <a:r>
-              <a:rPr lang="en-US" dirty="0" err="1"/>
-              <a:t>kys</a:t>
-            </a:r>
-            <a:endParaRPr lang="en-US" dirty="0"/>
-          </a:p>
-          <a:p>
-            <a:pPr marL="0" indent="0">
-              <a:buFont typeface="Arial" panose="020B0604020202020204" pitchFamily="34" charset="0"/>
-              <a:buNone/>
-            </a:pPr>
-            <a:r>
-              <a:rPr lang="en-US" dirty="0"/>
-              <a:t>nz0    =   180	 ! # parallel grid pts</a:t>
-            </a:r>
-          </a:p>
-          <a:p>
-            <a:pPr marL="0" indent="0">
-              <a:buFont typeface="Arial" panose="020B0604020202020204" pitchFamily="34" charset="0"/>
-              <a:buNone/>
-            </a:pPr>
-            <a:r>
-              <a:rPr lang="en-US" dirty="0"/>
-              <a:t>nv0    =   40	 ! # </a:t>
-            </a:r>
-            <a:r>
-              <a:rPr lang="en-US" dirty="0" err="1"/>
-              <a:t>vpar</a:t>
-            </a:r>
-            <a:r>
-              <a:rPr lang="en-US" dirty="0"/>
-              <a:t> grid points</a:t>
-            </a:r>
-          </a:p>
-          <a:p>
-            <a:pPr marL="0" indent="0">
-              <a:buFont typeface="Arial" panose="020B0604020202020204" pitchFamily="34" charset="0"/>
-              <a:buNone/>
-            </a:pPr>
-            <a:r>
-              <a:rPr lang="en-US" dirty="0"/>
-              <a:t>nw0    =   8	 </a:t>
-            </a:r>
-          </a:p>
-          <a:p>
-            <a:pPr marL="0" indent="0">
-              <a:buFont typeface="Arial" panose="020B0604020202020204" pitchFamily="34" charset="0"/>
-              <a:buNone/>
-            </a:pPr>
-            <a:r>
-              <a:rPr lang="en-US" dirty="0"/>
-              <a:t>lx    =    100     ! box length in x</a:t>
-            </a:r>
-          </a:p>
-          <a:p>
-            <a:pPr marL="0" indent="0">
-              <a:buFont typeface="Arial" panose="020B0604020202020204" pitchFamily="34" charset="0"/>
-              <a:buNone/>
-            </a:pPr>
-            <a:r>
-              <a:rPr lang="en-US" dirty="0" err="1"/>
-              <a:t>kymin</a:t>
-            </a:r>
-            <a:r>
-              <a:rPr lang="en-US" dirty="0"/>
-              <a:t> =     0.02</a:t>
-            </a:r>
-          </a:p>
-          <a:p>
-            <a:pPr marL="0" indent="0">
-              <a:buFont typeface="Arial" panose="020B0604020202020204" pitchFamily="34" charset="0"/>
-              <a:buNone/>
-            </a:pPr>
-            <a:r>
-              <a:rPr lang="en-US" dirty="0"/>
-              <a:t>lv    =     3.00     ! domain in </a:t>
-            </a:r>
-            <a:r>
-              <a:rPr lang="en-US" dirty="0" err="1"/>
-              <a:t>vpar</a:t>
-            </a:r>
-            <a:endParaRPr lang="en-US" dirty="0"/>
-          </a:p>
-          <a:p>
-            <a:pPr marL="0" indent="0">
-              <a:buFont typeface="Arial" panose="020B0604020202020204" pitchFamily="34" charset="0"/>
-              <a:buNone/>
-            </a:pPr>
-            <a:r>
-              <a:rPr lang="en-US" dirty="0" err="1"/>
-              <a:t>lw</a:t>
-            </a:r>
-            <a:r>
-              <a:rPr lang="en-US" dirty="0"/>
-              <a:t>    =     9.00     ! domain in mu</a:t>
-            </a:r>
-          </a:p>
-          <a:p>
-            <a:pPr marL="0" indent="0">
-              <a:buFont typeface="Arial" panose="020B0604020202020204" pitchFamily="34" charset="0"/>
-              <a:buNone/>
-            </a:pPr>
-            <a:r>
-              <a:rPr lang="en-US" dirty="0"/>
-              <a:t>n0_global = 1</a:t>
-            </a:r>
-          </a:p>
-          <a:p>
-            <a:pPr marL="0" indent="0">
-              <a:buFont typeface="Arial" panose="020B0604020202020204" pitchFamily="34" charset="0"/>
-              <a:buNone/>
-            </a:pPr>
-            <a:r>
-              <a:rPr lang="en-US" dirty="0"/>
-              <a:t>&amp;general</a:t>
-            </a:r>
-          </a:p>
-          <a:p>
-            <a:pPr marL="0" indent="0">
-              <a:buFont typeface="Arial" panose="020B0604020202020204" pitchFamily="34" charset="0"/>
-              <a:buNone/>
-            </a:pPr>
-            <a:r>
-              <a:rPr lang="en-US" b="1" dirty="0">
-                <a:solidFill>
-                  <a:srgbClr val="FF0000"/>
-                </a:solidFill>
-              </a:rPr>
-              <a:t>nonlinear = T</a:t>
-            </a:r>
           </a:p>
         </p:txBody>
       </p:sp>
     </p:spTree>
     <p:extLst>
       <p:ext uri="{BB962C8B-B14F-4D97-AF65-F5344CB8AC3E}">
-        <p14:creationId xmlns:p14="http://schemas.microsoft.com/office/powerpoint/2010/main" val="960093124"/>
+        <p14:creationId xmlns:p14="http://schemas.microsoft.com/office/powerpoint/2010/main" val="3688497584"/>
       </p:ext>
     </p:extLst>
   </p:cSld>
@@ -5129,7 +3990,7 @@
           <p:cNvPr id="2" name="Title 1">
             <a:extLst>
               <a:ext uri="{FF2B5EF4-FFF2-40B4-BE49-F238E27FC236}">
-                <a16:creationId xmlns:a16="http://schemas.microsoft.com/office/drawing/2014/main" id="{ABEAD498-786C-43D3-B07D-37214C2A904A}"/>
+                <a16:creationId xmlns:a16="http://schemas.microsoft.com/office/drawing/2014/main" id="{99F13360-1202-4B1B-8BDA-063B0CAE6248}"/>
               </a:ext>
             </a:extLst>
           </p:cNvPr>
@@ -5147,7 +4008,7 @@
           <a:p>
             <a:r>
               <a:rPr lang="en-US" dirty="0"/>
-              <a:t>Nonlinear</a:t>
+              <a:t>Unit</a:t>
             </a:r>
           </a:p>
         </p:txBody>
@@ -5157,7 +4018,7 @@
           <p:cNvPr id="3" name="Content Placeholder 2">
             <a:extLst>
               <a:ext uri="{FF2B5EF4-FFF2-40B4-BE49-F238E27FC236}">
-                <a16:creationId xmlns:a16="http://schemas.microsoft.com/office/drawing/2014/main" id="{86024DCD-7278-4DA2-8AC2-573EC4822DED}"/>
+                <a16:creationId xmlns:a16="http://schemas.microsoft.com/office/drawing/2014/main" id="{C252A27C-3EF1-44F1-A54D-97D931F5BC8E}"/>
               </a:ext>
             </a:extLst>
           </p:cNvPr>
@@ -5168,120 +4029,153 @@
             <p:ph idx="1"/>
           </p:nvPr>
         </p:nvSpPr>
-        <p:spPr>
-          <a:xfrm>
-            <a:off x="163498" y="1896647"/>
-            <a:ext cx="11936766" cy="4351338"/>
-          </a:xfrm>
-        </p:spPr>
+        <p:spPr/>
         <p:txBody>
           <a:bodyPr/>
           <a:lstStyle/>
           <a:p>
             <a:r>
               <a:rPr lang="en-US" dirty="0"/>
-              <a:t>Ky range = [-</a:t>
+              <a:t>Frequency in cs/a</a:t>
+            </a:r>
+          </a:p>
+          <a:p>
+            <a:pPr marL="0" indent="0">
+              <a:buNone/>
+            </a:pPr>
+            <a:r>
+              <a:rPr lang="en-US" dirty="0"/>
+              <a:t>    </a:t>
             </a:r>
             <a:r>
               <a:rPr lang="en-US" dirty="0" err="1"/>
-              <a:t>kymin</a:t>
+              <a:t>freq_SI</a:t>
             </a:r>
             <a:r>
               <a:rPr lang="en-US" dirty="0"/>
-              <a:t>*(nky0 -1)] ,… 0, </a:t>
+              <a:t> = </a:t>
             </a:r>
             <a:r>
               <a:rPr lang="en-US" dirty="0" err="1"/>
-              <a:t>kymin</a:t>
+              <a:t>omega_GENE</a:t>
             </a:r>
             <a:r>
               <a:rPr lang="en-US" dirty="0"/>
-              <a:t>*1, </a:t>
+              <a:t>* C_s/(2*pi*</a:t>
             </a:r>
             <a:r>
               <a:rPr lang="en-US" dirty="0" err="1"/>
-              <a:t>kymin</a:t>
+              <a:t>Lref</a:t>
             </a:r>
             <a:r>
               <a:rPr lang="en-US" dirty="0"/>
-              <a:t>*2,   ….. </a:t>
-            </a:r>
-            <a:r>
-              <a:rPr lang="en-US" dirty="0" err="1"/>
-              <a:t>kymin</a:t>
-            </a:r>
+              <a:t>)</a:t>
+            </a:r>
+          </a:p>
+          <a:p>
+            <a:pPr marL="0" indent="0">
+              <a:buNone/>
+            </a:pPr>
+            <a:endParaRPr lang="en-US" dirty="0"/>
+          </a:p>
+          <a:p>
             <a:r>
               <a:rPr lang="en-US" dirty="0"/>
-              <a:t>*(nky0 -1)]</a:t>
-            </a:r>
-          </a:p>
-          <a:p>
-            <a:endParaRPr lang="en-US" dirty="0"/>
-          </a:p>
-          <a:p>
-            <a:r>
-              <a:rPr lang="en-US" dirty="0"/>
-              <a:t>Kx min= 2*pi * lx /</a:t>
-            </a:r>
-            <a:r>
-              <a:rPr lang="en-US" b="1" dirty="0">
-                <a:solidFill>
-                  <a:srgbClr val="FF0000"/>
-                </a:solidFill>
-              </a:rPr>
-              <a:t> nx0 </a:t>
-            </a:r>
-            <a:endParaRPr lang="en-US" dirty="0"/>
-          </a:p>
-          <a:p>
-            <a:pPr marL="0" indent="0">
-              <a:buNone/>
-            </a:pPr>
-            <a:r>
-              <a:rPr lang="en-US"/>
-              <a:t>   Kx </a:t>
-            </a:r>
-            <a:r>
-              <a:rPr lang="en-US" dirty="0"/>
-              <a:t>range = [0, </a:t>
-            </a:r>
-            <a:r>
-              <a:rPr lang="en-US" dirty="0" err="1"/>
-              <a:t>kxmin</a:t>
-            </a:r>
-            <a:r>
-              <a:rPr lang="en-US" dirty="0"/>
-              <a:t>*1, </a:t>
-            </a:r>
-            <a:r>
-              <a:rPr lang="en-US" dirty="0" err="1"/>
-              <a:t>kxmin</a:t>
-            </a:r>
-            <a:r>
-              <a:rPr lang="en-US" dirty="0"/>
-              <a:t>*2,   ….. </a:t>
-            </a:r>
-            <a:r>
-              <a:rPr lang="en-US" dirty="0" err="1"/>
-              <a:t>kxmin</a:t>
-            </a:r>
-            <a:r>
-              <a:rPr lang="en-US" dirty="0"/>
-              <a:t>*(nx0 -1)]</a:t>
-            </a:r>
-          </a:p>
-          <a:p>
-            <a:endParaRPr lang="en-US" dirty="0"/>
-          </a:p>
-          <a:p>
-            <a:endParaRPr lang="en-US" dirty="0"/>
+              <a:t>Where </a:t>
+            </a:r>
           </a:p>
         </p:txBody>
       </p:sp>
     </p:spTree>
     <p:extLst>
       <p:ext uri="{BB962C8B-B14F-4D97-AF65-F5344CB8AC3E}">
-        <p14:creationId xmlns:p14="http://schemas.microsoft.com/office/powerpoint/2010/main" val="667088830"/>
+        <p14:creationId xmlns:p14="http://schemas.microsoft.com/office/powerpoint/2010/main" val="1439954674"/>
+      </p:ext>
+    </p:extLst>
+  </p:cSld>
+  <p:clrMapOvr>
+    <a:masterClrMapping/>
+  </p:clrMapOvr>
+</p:sld>
+</file>
+
+<file path=ppt/slides/slide7.xml><?xml version="1.0" encoding="utf-8"?>
+<p:sld xmlns:a="http://schemas.openxmlformats.org/drawingml/2006/main" xmlns:r="http://schemas.openxmlformats.org/officeDocument/2006/relationships" xmlns:p="http://schemas.openxmlformats.org/presentationml/2006/main">
+  <p:cSld>
+    <p:spTree>
+      <p:nvGrpSpPr>
+        <p:cNvPr id="1" name=""/>
+        <p:cNvGrpSpPr/>
+        <p:nvPr/>
+      </p:nvGrpSpPr>
+      <p:grpSpPr>
+        <a:xfrm>
+          <a:off x="0" y="0"/>
+          <a:ext cx="0" cy="0"/>
+          <a:chOff x="0" y="0"/>
+          <a:chExt cx="0" cy="0"/>
+        </a:xfrm>
+      </p:grpSpPr>
+      <p:sp>
+        <p:nvSpPr>
+          <p:cNvPr id="2" name="Title 1">
+            <a:extLst>
+              <a:ext uri="{FF2B5EF4-FFF2-40B4-BE49-F238E27FC236}">
+                <a16:creationId xmlns:a16="http://schemas.microsoft.com/office/drawing/2014/main" id="{FEB895B5-5B41-4F33-8BBB-C415CB7F25C0}"/>
+              </a:ext>
+            </a:extLst>
+          </p:cNvPr>
+          <p:cNvSpPr>
+            <a:spLocks noGrp="1"/>
+          </p:cNvSpPr>
+          <p:nvPr>
+            <p:ph type="title"/>
+          </p:nvPr>
+        </p:nvSpPr>
+        <p:spPr/>
+        <p:txBody>
+          <a:bodyPr/>
+          <a:lstStyle/>
+          <a:p>
+            <a:r>
+              <a:rPr lang="en-US" dirty="0"/>
+              <a:t>Good reference</a:t>
+            </a:r>
+          </a:p>
+        </p:txBody>
+      </p:sp>
+      <p:sp>
+        <p:nvSpPr>
+          <p:cNvPr id="3" name="Content Placeholder 2">
+            <a:extLst>
+              <a:ext uri="{FF2B5EF4-FFF2-40B4-BE49-F238E27FC236}">
+                <a16:creationId xmlns:a16="http://schemas.microsoft.com/office/drawing/2014/main" id="{7B97FE7C-D59C-492A-855C-DF5FD3F0C6F8}"/>
+              </a:ext>
+            </a:extLst>
+          </p:cNvPr>
+          <p:cNvSpPr>
+            <a:spLocks noGrp="1"/>
+          </p:cNvSpPr>
+          <p:nvPr>
+            <p:ph idx="1"/>
+          </p:nvPr>
+        </p:nvSpPr>
+        <p:spPr/>
+        <p:txBody>
+          <a:bodyPr/>
+          <a:lstStyle/>
+          <a:p>
+            <a:r>
+              <a:rPr lang="en-US" dirty="0"/>
+              <a:t>Chapter 4 in GENE manual</a:t>
+            </a:r>
+          </a:p>
+        </p:txBody>
+      </p:sp>
+    </p:spTree>
+    <p:extLst>
+      <p:ext uri="{BB962C8B-B14F-4D97-AF65-F5344CB8AC3E}">
+        <p14:creationId xmlns:p14="http://schemas.microsoft.com/office/powerpoint/2010/main" val="2130599941"/>
       </p:ext>
     </p:extLst>
   </p:cSld>

--- a/Intro_to_GENE/3_Structure_of_output.pptx
+++ b/Intro_to_GENE/3_Structure_of_output.pptx
@@ -8,10 +8,17 @@
     <p:sldId id="256" r:id="rId2"/>
     <p:sldId id="259" r:id="rId3"/>
     <p:sldId id="257" r:id="rId4"/>
-    <p:sldId id="260" r:id="rId5"/>
-    <p:sldId id="262" r:id="rId6"/>
-    <p:sldId id="261" r:id="rId7"/>
-    <p:sldId id="258" r:id="rId8"/>
+    <p:sldId id="263" r:id="rId5"/>
+    <p:sldId id="260" r:id="rId6"/>
+    <p:sldId id="264" r:id="rId7"/>
+    <p:sldId id="265" r:id="rId8"/>
+    <p:sldId id="266" r:id="rId9"/>
+    <p:sldId id="267" r:id="rId10"/>
+    <p:sldId id="268" r:id="rId11"/>
+    <p:sldId id="269" r:id="rId12"/>
+    <p:sldId id="270" r:id="rId13"/>
+    <p:sldId id="262" r:id="rId14"/>
+    <p:sldId id="258" r:id="rId15"/>
   </p:sldIdLst>
   <p:sldSz cx="12192000" cy="6858000"/>
   <p:notesSz cx="6858000" cy="9144000"/>
@@ -3410,6 +3417,633 @@
 </p:sld>
 </file>
 
+<file path=ppt/slides/slide10.xml><?xml version="1.0" encoding="utf-8"?>
+<p:sld xmlns:a="http://schemas.openxmlformats.org/drawingml/2006/main" xmlns:r="http://schemas.openxmlformats.org/officeDocument/2006/relationships" xmlns:p="http://schemas.openxmlformats.org/presentationml/2006/main">
+  <p:cSld>
+    <p:spTree>
+      <p:nvGrpSpPr>
+        <p:cNvPr id="1" name=""/>
+        <p:cNvGrpSpPr/>
+        <p:nvPr/>
+      </p:nvGrpSpPr>
+      <p:grpSpPr>
+        <a:xfrm>
+          <a:off x="0" y="0"/>
+          <a:ext cx="0" cy="0"/>
+          <a:chOff x="0" y="0"/>
+          <a:chExt cx="0" cy="0"/>
+        </a:xfrm>
+      </p:grpSpPr>
+      <p:sp>
+        <p:nvSpPr>
+          <p:cNvPr id="2" name="Title 1">
+            <a:extLst>
+              <a:ext uri="{FF2B5EF4-FFF2-40B4-BE49-F238E27FC236}">
+                <a16:creationId xmlns:a16="http://schemas.microsoft.com/office/drawing/2014/main" id="{69F6A51D-B3DA-4066-81BA-51C55BFE2F5E}"/>
+              </a:ext>
+            </a:extLst>
+          </p:cNvPr>
+          <p:cNvSpPr>
+            <a:spLocks noGrp="1"/>
+          </p:cNvSpPr>
+          <p:nvPr>
+            <p:ph type="title"/>
+          </p:nvPr>
+        </p:nvSpPr>
+        <p:spPr/>
+        <p:txBody>
+          <a:bodyPr/>
+          <a:lstStyle/>
+          <a:p>
+            <a:r>
+              <a:rPr lang="en-US" dirty="0"/>
+              <a:t>Omega*(Only in linear)</a:t>
+            </a:r>
+          </a:p>
+        </p:txBody>
+      </p:sp>
+      <p:pic>
+        <p:nvPicPr>
+          <p:cNvPr id="5" name="Content Placeholder 4">
+            <a:extLst>
+              <a:ext uri="{FF2B5EF4-FFF2-40B4-BE49-F238E27FC236}">
+                <a16:creationId xmlns:a16="http://schemas.microsoft.com/office/drawing/2014/main" id="{A27C1674-B1B6-4C82-B35B-6168ABC0B359}"/>
+              </a:ext>
+            </a:extLst>
+          </p:cNvPr>
+          <p:cNvPicPr>
+            <a:picLocks noGrp="1" noChangeAspect="1"/>
+          </p:cNvPicPr>
+          <p:nvPr>
+            <p:ph idx="1"/>
+          </p:nvPr>
+        </p:nvPicPr>
+        <p:blipFill>
+          <a:blip r:embed="rId2"/>
+          <a:stretch>
+            <a:fillRect/>
+          </a:stretch>
+        </p:blipFill>
+        <p:spPr>
+          <a:xfrm>
+            <a:off x="838200" y="1606732"/>
+            <a:ext cx="3392409" cy="763605"/>
+          </a:xfrm>
+        </p:spPr>
+      </p:pic>
+    </p:spTree>
+    <p:extLst>
+      <p:ext uri="{BB962C8B-B14F-4D97-AF65-F5344CB8AC3E}">
+        <p14:creationId xmlns:p14="http://schemas.microsoft.com/office/powerpoint/2010/main" val="4218177750"/>
+      </p:ext>
+    </p:extLst>
+  </p:cSld>
+  <p:clrMapOvr>
+    <a:masterClrMapping/>
+  </p:clrMapOvr>
+</p:sld>
+</file>
+
+<file path=ppt/slides/slide11.xml><?xml version="1.0" encoding="utf-8"?>
+<p:sld xmlns:a="http://schemas.openxmlformats.org/drawingml/2006/main" xmlns:r="http://schemas.openxmlformats.org/officeDocument/2006/relationships" xmlns:p="http://schemas.openxmlformats.org/presentationml/2006/main">
+  <p:cSld>
+    <p:spTree>
+      <p:nvGrpSpPr>
+        <p:cNvPr id="1" name=""/>
+        <p:cNvGrpSpPr/>
+        <p:nvPr/>
+      </p:nvGrpSpPr>
+      <p:grpSpPr>
+        <a:xfrm>
+          <a:off x="0" y="0"/>
+          <a:ext cx="0" cy="0"/>
+          <a:chOff x="0" y="0"/>
+          <a:chExt cx="0" cy="0"/>
+        </a:xfrm>
+      </p:grpSpPr>
+      <p:sp>
+        <p:nvSpPr>
+          <p:cNvPr id="2" name="Title 1">
+            <a:extLst>
+              <a:ext uri="{FF2B5EF4-FFF2-40B4-BE49-F238E27FC236}">
+                <a16:creationId xmlns:a16="http://schemas.microsoft.com/office/drawing/2014/main" id="{CFE755CA-7EFE-41D3-924E-8849D6B01EE0}"/>
+              </a:ext>
+            </a:extLst>
+          </p:cNvPr>
+          <p:cNvSpPr>
+            <a:spLocks noGrp="1"/>
+          </p:cNvSpPr>
+          <p:nvPr>
+            <p:ph type="title"/>
+          </p:nvPr>
+        </p:nvSpPr>
+        <p:spPr/>
+        <p:txBody>
+          <a:bodyPr/>
+          <a:lstStyle/>
+          <a:p>
+            <a:r>
+              <a:rPr lang="en-US" dirty="0"/>
+              <a:t>Eigenvalues*(only in Eigenvalues solver)</a:t>
+            </a:r>
+          </a:p>
+        </p:txBody>
+      </p:sp>
+      <p:sp>
+        <p:nvSpPr>
+          <p:cNvPr id="3" name="Content Placeholder 2">
+            <a:extLst>
+              <a:ext uri="{FF2B5EF4-FFF2-40B4-BE49-F238E27FC236}">
+                <a16:creationId xmlns:a16="http://schemas.microsoft.com/office/drawing/2014/main" id="{0ED1FF83-38A7-467B-86F2-9E06346C1415}"/>
+              </a:ext>
+            </a:extLst>
+          </p:cNvPr>
+          <p:cNvSpPr>
+            <a:spLocks noGrp="1"/>
+          </p:cNvSpPr>
+          <p:nvPr>
+            <p:ph idx="1"/>
+          </p:nvPr>
+        </p:nvSpPr>
+        <p:spPr/>
+        <p:txBody>
+          <a:bodyPr/>
+          <a:lstStyle/>
+          <a:p>
+            <a:endParaRPr lang="en-US" dirty="0"/>
+          </a:p>
+        </p:txBody>
+      </p:sp>
+      <p:pic>
+        <p:nvPicPr>
+          <p:cNvPr id="5" name="Picture 4">
+            <a:extLst>
+              <a:ext uri="{FF2B5EF4-FFF2-40B4-BE49-F238E27FC236}">
+                <a16:creationId xmlns:a16="http://schemas.microsoft.com/office/drawing/2014/main" id="{F354153E-67AC-4A3C-842E-EA495A6B8580}"/>
+              </a:ext>
+            </a:extLst>
+          </p:cNvPr>
+          <p:cNvPicPr>
+            <a:picLocks noChangeAspect="1"/>
+          </p:cNvPicPr>
+          <p:nvPr/>
+        </p:nvPicPr>
+        <p:blipFill>
+          <a:blip r:embed="rId2"/>
+          <a:stretch>
+            <a:fillRect/>
+          </a:stretch>
+        </p:blipFill>
+        <p:spPr>
+          <a:xfrm>
+            <a:off x="1272379" y="1976993"/>
+            <a:ext cx="4823621" cy="1452007"/>
+          </a:xfrm>
+          <a:prstGeom prst="rect">
+            <a:avLst/>
+          </a:prstGeom>
+        </p:spPr>
+      </p:pic>
+    </p:spTree>
+    <p:extLst>
+      <p:ext uri="{BB962C8B-B14F-4D97-AF65-F5344CB8AC3E}">
+        <p14:creationId xmlns:p14="http://schemas.microsoft.com/office/powerpoint/2010/main" val="218158839"/>
+      </p:ext>
+    </p:extLst>
+  </p:cSld>
+  <p:clrMapOvr>
+    <a:masterClrMapping/>
+  </p:clrMapOvr>
+</p:sld>
+</file>
+
+<file path=ppt/slides/slide12.xml><?xml version="1.0" encoding="utf-8"?>
+<p:sld xmlns:a="http://schemas.openxmlformats.org/drawingml/2006/main" xmlns:r="http://schemas.openxmlformats.org/officeDocument/2006/relationships" xmlns:p="http://schemas.openxmlformats.org/presentationml/2006/main">
+  <p:cSld>
+    <p:spTree>
+      <p:nvGrpSpPr>
+        <p:cNvPr id="1" name=""/>
+        <p:cNvGrpSpPr/>
+        <p:nvPr/>
+      </p:nvGrpSpPr>
+      <p:grpSpPr>
+        <a:xfrm>
+          <a:off x="0" y="0"/>
+          <a:ext cx="0" cy="0"/>
+          <a:chOff x="0" y="0"/>
+          <a:chExt cx="0" cy="0"/>
+        </a:xfrm>
+      </p:grpSpPr>
+      <p:sp>
+        <p:nvSpPr>
+          <p:cNvPr id="2" name="Title 1">
+            <a:extLst>
+              <a:ext uri="{FF2B5EF4-FFF2-40B4-BE49-F238E27FC236}">
+                <a16:creationId xmlns:a16="http://schemas.microsoft.com/office/drawing/2014/main" id="{EB6CF2AE-40D5-458E-8262-70298A58DB73}"/>
+              </a:ext>
+            </a:extLst>
+          </p:cNvPr>
+          <p:cNvSpPr>
+            <a:spLocks noGrp="1"/>
+          </p:cNvSpPr>
+          <p:nvPr>
+            <p:ph type="title"/>
+          </p:nvPr>
+        </p:nvSpPr>
+        <p:spPr/>
+        <p:txBody>
+          <a:bodyPr/>
+          <a:lstStyle/>
+          <a:p>
+            <a:r>
+              <a:rPr lang="en-US" dirty="0"/>
+              <a:t>&lt;</a:t>
+            </a:r>
+            <a:r>
+              <a:rPr lang="en-US" dirty="0" err="1"/>
+              <a:t>magn_geometry</a:t>
+            </a:r>
+            <a:r>
+              <a:rPr lang="en-US" dirty="0"/>
+              <a:t>&gt;.</a:t>
+            </a:r>
+            <a:r>
+              <a:rPr lang="en-US" dirty="0" err="1"/>
+              <a:t>dat</a:t>
+            </a:r>
+            <a:endParaRPr lang="en-US" dirty="0"/>
+          </a:p>
+        </p:txBody>
+      </p:sp>
+      <p:pic>
+        <p:nvPicPr>
+          <p:cNvPr id="5" name="Content Placeholder 4">
+            <a:extLst>
+              <a:ext uri="{FF2B5EF4-FFF2-40B4-BE49-F238E27FC236}">
+                <a16:creationId xmlns:a16="http://schemas.microsoft.com/office/drawing/2014/main" id="{261D6F69-6590-47CC-8523-CF6827A6FEA6}"/>
+              </a:ext>
+            </a:extLst>
+          </p:cNvPr>
+          <p:cNvPicPr>
+            <a:picLocks noGrp="1" noChangeAspect="1"/>
+          </p:cNvPicPr>
+          <p:nvPr>
+            <p:ph idx="1"/>
+          </p:nvPr>
+        </p:nvPicPr>
+        <p:blipFill>
+          <a:blip r:embed="rId2"/>
+          <a:stretch>
+            <a:fillRect/>
+          </a:stretch>
+        </p:blipFill>
+        <p:spPr>
+          <a:xfrm>
+            <a:off x="1590639" y="1891562"/>
+            <a:ext cx="7821116" cy="2514951"/>
+          </a:xfrm>
+        </p:spPr>
+      </p:pic>
+    </p:spTree>
+    <p:extLst>
+      <p:ext uri="{BB962C8B-B14F-4D97-AF65-F5344CB8AC3E}">
+        <p14:creationId xmlns:p14="http://schemas.microsoft.com/office/powerpoint/2010/main" val="3783297452"/>
+      </p:ext>
+    </p:extLst>
+  </p:cSld>
+  <p:clrMapOvr>
+    <a:masterClrMapping/>
+  </p:clrMapOvr>
+</p:sld>
+</file>
+
+<file path=ppt/slides/slide13.xml><?xml version="1.0" encoding="utf-8"?>
+<p:sld xmlns:a="http://schemas.openxmlformats.org/drawingml/2006/main" xmlns:r="http://schemas.openxmlformats.org/officeDocument/2006/relationships" xmlns:p="http://schemas.openxmlformats.org/presentationml/2006/main">
+  <p:cSld>
+    <p:spTree>
+      <p:nvGrpSpPr>
+        <p:cNvPr id="1" name=""/>
+        <p:cNvGrpSpPr/>
+        <p:nvPr/>
+      </p:nvGrpSpPr>
+      <p:grpSpPr>
+        <a:xfrm>
+          <a:off x="0" y="0"/>
+          <a:ext cx="0" cy="0"/>
+          <a:chOff x="0" y="0"/>
+          <a:chExt cx="0" cy="0"/>
+        </a:xfrm>
+      </p:grpSpPr>
+      <p:sp>
+        <p:nvSpPr>
+          <p:cNvPr id="2" name="Title 1">
+            <a:extLst>
+              <a:ext uri="{FF2B5EF4-FFF2-40B4-BE49-F238E27FC236}">
+                <a16:creationId xmlns:a16="http://schemas.microsoft.com/office/drawing/2014/main" id="{BC52733A-9A36-4CB3-824F-17FAE7FDE4F1}"/>
+              </a:ext>
+            </a:extLst>
+          </p:cNvPr>
+          <p:cNvSpPr>
+            <a:spLocks noGrp="1"/>
+          </p:cNvSpPr>
+          <p:nvPr>
+            <p:ph type="title"/>
+          </p:nvPr>
+        </p:nvSpPr>
+        <p:spPr/>
+        <p:txBody>
+          <a:bodyPr/>
+          <a:lstStyle/>
+          <a:p>
+            <a:r>
+              <a:rPr lang="en-US" dirty="0"/>
+              <a:t>Common quantities(refer to appendix)</a:t>
+            </a:r>
+          </a:p>
+        </p:txBody>
+      </p:sp>
+      <p:sp>
+        <p:nvSpPr>
+          <p:cNvPr id="3" name="Content Placeholder 2">
+            <a:extLst>
+              <a:ext uri="{FF2B5EF4-FFF2-40B4-BE49-F238E27FC236}">
+                <a16:creationId xmlns:a16="http://schemas.microsoft.com/office/drawing/2014/main" id="{247B350B-44BF-491A-B06A-3796E362824D}"/>
+              </a:ext>
+            </a:extLst>
+          </p:cNvPr>
+          <p:cNvSpPr>
+            <a:spLocks noGrp="1"/>
+          </p:cNvSpPr>
+          <p:nvPr>
+            <p:ph idx="1"/>
+          </p:nvPr>
+        </p:nvSpPr>
+        <p:spPr/>
+        <p:txBody>
+          <a:bodyPr>
+            <a:normAutofit fontScale="92500" lnSpcReduction="20000"/>
+          </a:bodyPr>
+          <a:lstStyle/>
+          <a:p>
+            <a:r>
+              <a:rPr lang="en-US" dirty="0" err="1"/>
+              <a:t>Tref</a:t>
+            </a:r>
+            <a:r>
+              <a:rPr lang="en-US" dirty="0"/>
+              <a:t>: default electron temperature in unit of eV</a:t>
+            </a:r>
+          </a:p>
+          <a:p>
+            <a:r>
+              <a:rPr lang="en-US" dirty="0"/>
+              <a:t>Any frequency(omega, gamma, </a:t>
+            </a:r>
+            <a:r>
+              <a:rPr lang="en-US" dirty="0" err="1"/>
+              <a:t>coll</a:t>
+            </a:r>
+            <a:r>
+              <a:rPr lang="en-US" dirty="0"/>
+              <a:t>, </a:t>
+            </a:r>
+            <a:r>
+              <a:rPr lang="en-US" dirty="0" err="1"/>
+              <a:t>nuei</a:t>
+            </a:r>
+            <a:r>
+              <a:rPr lang="en-US" dirty="0"/>
+              <a:t>…) in the unit of cs/a</a:t>
+            </a:r>
+          </a:p>
+          <a:p>
+            <a:r>
+              <a:rPr lang="en-US" dirty="0"/>
+              <a:t>Length(x)</a:t>
+            </a:r>
+          </a:p>
+          <a:p>
+            <a:r>
+              <a:rPr lang="en-US" dirty="0"/>
+              <a:t>Wavenumber(</a:t>
+            </a:r>
+            <a:r>
+              <a:rPr lang="en-US" dirty="0" err="1"/>
+              <a:t>rho_s</a:t>
+            </a:r>
+            <a:r>
+              <a:rPr lang="en-US" dirty="0"/>
+              <a:t>)</a:t>
+            </a:r>
+          </a:p>
+          <a:p>
+            <a:endParaRPr lang="en-US" dirty="0"/>
+          </a:p>
+          <a:p>
+            <a:pPr marL="0" indent="0">
+              <a:buNone/>
+            </a:pPr>
+            <a:r>
+              <a:rPr lang="en-US" dirty="0"/>
+              <a:t>Where cs is the speed of sound, </a:t>
+            </a:r>
+            <a:r>
+              <a:rPr lang="en-US" dirty="0" err="1"/>
+              <a:t>rho_s</a:t>
+            </a:r>
+            <a:r>
+              <a:rPr lang="en-US" dirty="0"/>
+              <a:t> is </a:t>
+            </a:r>
+            <a:r>
+              <a:rPr lang="en-US" dirty="0" err="1"/>
+              <a:t>larmor</a:t>
+            </a:r>
+            <a:r>
+              <a:rPr lang="en-US" dirty="0"/>
+              <a:t> radius</a:t>
+            </a:r>
+          </a:p>
+          <a:p>
+            <a:pPr marL="0" indent="0">
+              <a:buNone/>
+            </a:pPr>
+            <a:endParaRPr lang="en-US" dirty="0"/>
+          </a:p>
+          <a:p>
+            <a:pPr marL="0" indent="0">
+              <a:buNone/>
+            </a:pPr>
+            <a:r>
+              <a:rPr lang="en-US" sz="3000" b="1" dirty="0"/>
+              <a:t>Example:</a:t>
+            </a:r>
+          </a:p>
+          <a:p>
+            <a:r>
+              <a:rPr lang="en-US" dirty="0"/>
+              <a:t>Frequency in cs/a</a:t>
+            </a:r>
+          </a:p>
+          <a:p>
+            <a:pPr marL="0" indent="0">
+              <a:buNone/>
+            </a:pPr>
+            <a:r>
+              <a:rPr lang="en-US" dirty="0"/>
+              <a:t>    </a:t>
+            </a:r>
+            <a:r>
+              <a:rPr lang="en-US" dirty="0" err="1"/>
+              <a:t>freq_SI</a:t>
+            </a:r>
+            <a:r>
+              <a:rPr lang="en-US" dirty="0"/>
+              <a:t> = </a:t>
+            </a:r>
+            <a:r>
+              <a:rPr lang="en-US" dirty="0" err="1"/>
+              <a:t>omega_GENE</a:t>
+            </a:r>
+            <a:r>
+              <a:rPr lang="en-US" dirty="0"/>
+              <a:t>* C_s/(2*pi*</a:t>
+            </a:r>
+            <a:r>
+              <a:rPr lang="en-US" dirty="0" err="1"/>
+              <a:t>Lref</a:t>
+            </a:r>
+            <a:r>
+              <a:rPr lang="en-US" dirty="0"/>
+              <a:t>)</a:t>
+            </a:r>
+          </a:p>
+          <a:p>
+            <a:pPr marL="0" indent="0">
+              <a:buNone/>
+            </a:pPr>
+            <a:endParaRPr lang="en-US" dirty="0"/>
+          </a:p>
+          <a:p>
+            <a:pPr marL="0" indent="0">
+              <a:buNone/>
+            </a:pPr>
+            <a:endParaRPr lang="en-US" dirty="0"/>
+          </a:p>
+        </p:txBody>
+      </p:sp>
+    </p:spTree>
+    <p:extLst>
+      <p:ext uri="{BB962C8B-B14F-4D97-AF65-F5344CB8AC3E}">
+        <p14:creationId xmlns:p14="http://schemas.microsoft.com/office/powerpoint/2010/main" val="3688497584"/>
+      </p:ext>
+    </p:extLst>
+  </p:cSld>
+  <p:clrMapOvr>
+    <a:masterClrMapping/>
+  </p:clrMapOvr>
+</p:sld>
+</file>
+
+<file path=ppt/slides/slide14.xml><?xml version="1.0" encoding="utf-8"?>
+<p:sld xmlns:a="http://schemas.openxmlformats.org/drawingml/2006/main" xmlns:r="http://schemas.openxmlformats.org/officeDocument/2006/relationships" xmlns:p="http://schemas.openxmlformats.org/presentationml/2006/main">
+  <p:cSld>
+    <p:spTree>
+      <p:nvGrpSpPr>
+        <p:cNvPr id="1" name=""/>
+        <p:cNvGrpSpPr/>
+        <p:nvPr/>
+      </p:nvGrpSpPr>
+      <p:grpSpPr>
+        <a:xfrm>
+          <a:off x="0" y="0"/>
+          <a:ext cx="0" cy="0"/>
+          <a:chOff x="0" y="0"/>
+          <a:chExt cx="0" cy="0"/>
+        </a:xfrm>
+      </p:grpSpPr>
+      <p:sp>
+        <p:nvSpPr>
+          <p:cNvPr id="2" name="Title 1">
+            <a:extLst>
+              <a:ext uri="{FF2B5EF4-FFF2-40B4-BE49-F238E27FC236}">
+                <a16:creationId xmlns:a16="http://schemas.microsoft.com/office/drawing/2014/main" id="{FEB895B5-5B41-4F33-8BBB-C415CB7F25C0}"/>
+              </a:ext>
+            </a:extLst>
+          </p:cNvPr>
+          <p:cNvSpPr>
+            <a:spLocks noGrp="1"/>
+          </p:cNvSpPr>
+          <p:nvPr>
+            <p:ph type="title"/>
+          </p:nvPr>
+        </p:nvSpPr>
+        <p:spPr/>
+        <p:txBody>
+          <a:bodyPr/>
+          <a:lstStyle/>
+          <a:p>
+            <a:r>
+              <a:rPr lang="en-US" dirty="0"/>
+              <a:t>Good reference</a:t>
+            </a:r>
+          </a:p>
+        </p:txBody>
+      </p:sp>
+      <p:sp>
+        <p:nvSpPr>
+          <p:cNvPr id="3" name="Content Placeholder 2">
+            <a:extLst>
+              <a:ext uri="{FF2B5EF4-FFF2-40B4-BE49-F238E27FC236}">
+                <a16:creationId xmlns:a16="http://schemas.microsoft.com/office/drawing/2014/main" id="{7B97FE7C-D59C-492A-855C-DF5FD3F0C6F8}"/>
+              </a:ext>
+            </a:extLst>
+          </p:cNvPr>
+          <p:cNvSpPr>
+            <a:spLocks noGrp="1"/>
+          </p:cNvSpPr>
+          <p:nvPr>
+            <p:ph idx="1"/>
+          </p:nvPr>
+        </p:nvSpPr>
+        <p:spPr/>
+        <p:txBody>
+          <a:bodyPr/>
+          <a:lstStyle/>
+          <a:p>
+            <a:r>
+              <a:rPr lang="en-US" dirty="0"/>
+              <a:t>Chapter 4 in GENE manual</a:t>
+            </a:r>
+          </a:p>
+          <a:p>
+            <a:r>
+              <a:rPr lang="en-US"/>
+              <a:t>Appendix in </a:t>
+            </a:r>
+            <a:r>
+              <a:rPr lang="en-US" dirty="0"/>
+              <a:t>GENE manual</a:t>
+            </a:r>
+          </a:p>
+          <a:p>
+            <a:endParaRPr lang="en-US" dirty="0"/>
+          </a:p>
+        </p:txBody>
+      </p:sp>
+    </p:spTree>
+    <p:extLst>
+      <p:ext uri="{BB962C8B-B14F-4D97-AF65-F5344CB8AC3E}">
+        <p14:creationId xmlns:p14="http://schemas.microsoft.com/office/powerpoint/2010/main" val="2130599941"/>
+      </p:ext>
+    </p:extLst>
+  </p:cSld>
+  <p:clrMapOvr>
+    <a:masterClrMapping/>
+  </p:clrMapOvr>
+</p:sld>
+</file>
+
 <file path=ppt/slides/slide2.xml><?xml version="1.0" encoding="utf-8"?>
 <p:sld xmlns:a="http://schemas.openxmlformats.org/drawingml/2006/main" xmlns:r="http://schemas.openxmlformats.org/officeDocument/2006/relationships" xmlns:p="http://schemas.openxmlformats.org/presentationml/2006/main">
   <p:cSld>
@@ -3761,7 +4395,7 @@
           <p:cNvPr id="2" name="Title 1">
             <a:extLst>
               <a:ext uri="{FF2B5EF4-FFF2-40B4-BE49-F238E27FC236}">
-                <a16:creationId xmlns:a16="http://schemas.microsoft.com/office/drawing/2014/main" id="{7B98BB72-5B49-4860-8B1B-AD6F96EE722B}"/>
+                <a16:creationId xmlns:a16="http://schemas.microsoft.com/office/drawing/2014/main" id="{5F3EF9D6-FEEC-493E-870F-61E75AEEBCA4}"/>
               </a:ext>
             </a:extLst>
           </p:cNvPr>
@@ -3778,93 +4412,50 @@
           <a:lstStyle/>
           <a:p>
             <a:r>
+              <a:rPr lang="en-US" dirty="0" err="1"/>
+              <a:t>Nrg</a:t>
+            </a:r>
+            <a:br>
               <a:rPr lang="en-US" dirty="0"/>
-              <a:t>Data structure(field, mom)</a:t>
-            </a:r>
-          </a:p>
-        </p:txBody>
-      </p:sp>
-      <p:sp>
-        <p:nvSpPr>
-          <p:cNvPr id="3" name="Content Placeholder 2">
-            <a:extLst>
-              <a:ext uri="{FF2B5EF4-FFF2-40B4-BE49-F238E27FC236}">
-                <a16:creationId xmlns:a16="http://schemas.microsoft.com/office/drawing/2014/main" id="{A639752F-ECB0-48BF-810B-BE65F6A8103F}"/>
-              </a:ext>
-            </a:extLst>
-          </p:cNvPr>
-          <p:cNvSpPr>
-            <a:spLocks noGrp="1"/>
-          </p:cNvSpPr>
-          <p:nvPr>
-            <p:ph idx="1"/>
-          </p:nvPr>
-        </p:nvSpPr>
-        <p:spPr/>
-        <p:txBody>
-          <a:bodyPr/>
-          <a:lstStyle/>
-          <a:p>
-            <a:r>
-              <a:rPr lang="en-US" dirty="0"/>
-              <a:t>Nonlinear: Phi[</a:t>
-            </a:r>
-            <a:r>
-              <a:rPr lang="en-US" dirty="0" err="1"/>
-              <a:t>i_kx</a:t>
-            </a:r>
-            <a:r>
-              <a:rPr lang="en-US" dirty="0"/>
-              <a:t>, </a:t>
-            </a:r>
-            <a:r>
-              <a:rPr lang="en-US" dirty="0" err="1"/>
-              <a:t>i_ky</a:t>
-            </a:r>
-            <a:r>
-              <a:rPr lang="en-US" dirty="0"/>
-              <a:t>, </a:t>
-            </a:r>
-            <a:r>
-              <a:rPr lang="en-US" dirty="0" err="1"/>
-              <a:t>i_z</a:t>
-            </a:r>
-            <a:r>
-              <a:rPr lang="en-US" dirty="0"/>
-              <a:t>]</a:t>
-            </a:r>
-          </a:p>
-          <a:p>
-            <a:r>
-              <a:rPr lang="en-US" dirty="0"/>
-              <a:t>Linear: Phi[</a:t>
-            </a:r>
-            <a:r>
-              <a:rPr lang="en-US" dirty="0" err="1"/>
-              <a:t>i_x</a:t>
-            </a:r>
-            <a:r>
-              <a:rPr lang="en-US" dirty="0"/>
-              <a:t>, 0, </a:t>
-            </a:r>
-            <a:r>
-              <a:rPr lang="en-US" dirty="0" err="1"/>
-              <a:t>i_z</a:t>
-            </a:r>
-            <a:r>
-              <a:rPr lang="en-US" dirty="0"/>
-              <a:t>]</a:t>
-            </a:r>
-          </a:p>
-          <a:p>
+            </a:br>
             <a:endParaRPr lang="en-US" dirty="0"/>
           </a:p>
         </p:txBody>
       </p:sp>
+      <p:pic>
+        <p:nvPicPr>
+          <p:cNvPr id="5" name="Picture 4">
+            <a:extLst>
+              <a:ext uri="{FF2B5EF4-FFF2-40B4-BE49-F238E27FC236}">
+                <a16:creationId xmlns:a16="http://schemas.microsoft.com/office/drawing/2014/main" id="{C4AFE2F1-63F6-4659-8AC5-FAF213E40023}"/>
+              </a:ext>
+            </a:extLst>
+          </p:cNvPr>
+          <p:cNvPicPr>
+            <a:picLocks noChangeAspect="1"/>
+          </p:cNvPicPr>
+          <p:nvPr/>
+        </p:nvPicPr>
+        <p:blipFill>
+          <a:blip r:embed="rId2"/>
+          <a:stretch>
+            <a:fillRect/>
+          </a:stretch>
+        </p:blipFill>
+        <p:spPr>
+          <a:xfrm>
+            <a:off x="2052073" y="1524401"/>
+            <a:ext cx="8087854" cy="4182059"/>
+          </a:xfrm>
+          <a:prstGeom prst="rect">
+            <a:avLst/>
+          </a:prstGeom>
+        </p:spPr>
+      </p:pic>
     </p:spTree>
     <p:extLst>
       <p:ext uri="{BB962C8B-B14F-4D97-AF65-F5344CB8AC3E}">
-        <p14:creationId xmlns:p14="http://schemas.microsoft.com/office/powerpoint/2010/main" val="1554621307"/>
+        <p14:creationId xmlns:p14="http://schemas.microsoft.com/office/powerpoint/2010/main" val="672036165"/>
       </p:ext>
     </p:extLst>
   </p:cSld>
@@ -3896,7 +4487,7 @@
           <p:cNvPr id="2" name="Title 1">
             <a:extLst>
               <a:ext uri="{FF2B5EF4-FFF2-40B4-BE49-F238E27FC236}">
-                <a16:creationId xmlns:a16="http://schemas.microsoft.com/office/drawing/2014/main" id="{BC52733A-9A36-4CB3-824F-17FAE7FDE4F1}"/>
+                <a16:creationId xmlns:a16="http://schemas.microsoft.com/office/drawing/2014/main" id="{7B98BB72-5B49-4860-8B1B-AD6F96EE722B}"/>
               </a:ext>
             </a:extLst>
           </p:cNvPr>
@@ -3914,7 +4505,7 @@
           <a:p>
             <a:r>
               <a:rPr lang="en-US" dirty="0"/>
-              <a:t>Common quantities</a:t>
+              <a:t>Data structure(field, mom)</a:t>
             </a:r>
           </a:p>
         </p:txBody>
@@ -3924,7 +4515,7 @@
           <p:cNvPr id="3" name="Content Placeholder 2">
             <a:extLst>
               <a:ext uri="{FF2B5EF4-FFF2-40B4-BE49-F238E27FC236}">
-                <a16:creationId xmlns:a16="http://schemas.microsoft.com/office/drawing/2014/main" id="{247B350B-44BF-491A-B06A-3796E362824D}"/>
+                <a16:creationId xmlns:a16="http://schemas.microsoft.com/office/drawing/2014/main" id="{A639752F-ECB0-48BF-810B-BE65F6A8103F}"/>
               </a:ext>
             </a:extLst>
           </p:cNvPr>
@@ -3941,24 +4532,95 @@
           <a:lstStyle/>
           <a:p>
             <a:r>
+              <a:rPr lang="en-US" dirty="0"/>
+              <a:t>Nonlinear: Phi[</a:t>
+            </a:r>
+            <a:r>
               <a:rPr lang="en-US" dirty="0" err="1"/>
-              <a:t>Tref</a:t>
-            </a:r>
-            <a:r>
-              <a:rPr lang="en-US"/>
-              <a:t>: default electron </a:t>
-            </a:r>
+              <a:t>i_kx</a:t>
+            </a:r>
+            <a:r>
+              <a:rPr lang="en-US" dirty="0"/>
+              <a:t>, </a:t>
+            </a:r>
+            <a:r>
+              <a:rPr lang="en-US" dirty="0" err="1"/>
+              <a:t>i_ky</a:t>
+            </a:r>
+            <a:r>
+              <a:rPr lang="en-US" dirty="0"/>
+              <a:t>, </a:t>
+            </a:r>
+            <a:r>
+              <a:rPr lang="en-US" dirty="0" err="1"/>
+              <a:t>i_z</a:t>
+            </a:r>
+            <a:r>
+              <a:rPr lang="en-US" dirty="0"/>
+              <a:t>]</a:t>
+            </a:r>
+          </a:p>
+          <a:p>
+            <a:r>
+              <a:rPr lang="en-US" dirty="0"/>
+              <a:t>Linear: Phi[</a:t>
+            </a:r>
+            <a:r>
+              <a:rPr lang="en-US" dirty="0" err="1"/>
+              <a:t>i_x</a:t>
+            </a:r>
+            <a:r>
+              <a:rPr lang="en-US" dirty="0"/>
+              <a:t>, 0, </a:t>
+            </a:r>
+            <a:r>
+              <a:rPr lang="en-US" dirty="0" err="1"/>
+              <a:t>i_z</a:t>
+            </a:r>
+            <a:r>
+              <a:rPr lang="en-US" dirty="0"/>
+              <a:t>]</a:t>
+            </a:r>
+          </a:p>
+          <a:p>
             <a:endParaRPr lang="en-US" dirty="0"/>
           </a:p>
-          <a:p>
-            <a:endParaRPr lang="en-US" dirty="0"/>
-          </a:p>
-        </p:txBody>
-      </p:sp>
+        </p:txBody>
+      </p:sp>
+      <p:pic>
+        <p:nvPicPr>
+          <p:cNvPr id="7" name="Picture 6">
+            <a:extLst>
+              <a:ext uri="{FF2B5EF4-FFF2-40B4-BE49-F238E27FC236}">
+                <a16:creationId xmlns:a16="http://schemas.microsoft.com/office/drawing/2014/main" id="{26B7249C-294B-4927-B67F-689072F04485}"/>
+              </a:ext>
+            </a:extLst>
+          </p:cNvPr>
+          <p:cNvPicPr>
+            <a:picLocks noChangeAspect="1"/>
+          </p:cNvPicPr>
+          <p:nvPr/>
+        </p:nvPicPr>
+        <p:blipFill>
+          <a:blip r:embed="rId2"/>
+          <a:stretch>
+            <a:fillRect/>
+          </a:stretch>
+        </p:blipFill>
+        <p:spPr>
+          <a:xfrm>
+            <a:off x="671660" y="2956244"/>
+            <a:ext cx="7173326" cy="2934109"/>
+          </a:xfrm>
+          <a:prstGeom prst="rect">
+            <a:avLst/>
+          </a:prstGeom>
+        </p:spPr>
+      </p:pic>
     </p:spTree>
     <p:extLst>
       <p:ext uri="{BB962C8B-B14F-4D97-AF65-F5344CB8AC3E}">
-        <p14:creationId xmlns:p14="http://schemas.microsoft.com/office/powerpoint/2010/main" val="3688497584"/>
+        <p14:creationId xmlns:p14="http://schemas.microsoft.com/office/powerpoint/2010/main" val="1554621307"/>
       </p:ext>
     </p:extLst>
   </p:cSld>
@@ -3990,7 +4652,7 @@
           <p:cNvPr id="2" name="Title 1">
             <a:extLst>
               <a:ext uri="{FF2B5EF4-FFF2-40B4-BE49-F238E27FC236}">
-                <a16:creationId xmlns:a16="http://schemas.microsoft.com/office/drawing/2014/main" id="{99F13360-1202-4B1B-8BDA-063B0CAE6248}"/>
+                <a16:creationId xmlns:a16="http://schemas.microsoft.com/office/drawing/2014/main" id="{D224A136-636B-4554-A75E-55987ADD89A1}"/>
               </a:ext>
             </a:extLst>
           </p:cNvPr>
@@ -4008,7 +4670,7 @@
           <a:p>
             <a:r>
               <a:rPr lang="en-US" dirty="0"/>
-              <a:t>Unit</a:t>
+              <a:t>field</a:t>
             </a:r>
           </a:p>
         </p:txBody>
@@ -4018,7 +4680,7 @@
           <p:cNvPr id="3" name="Content Placeholder 2">
             <a:extLst>
               <a:ext uri="{FF2B5EF4-FFF2-40B4-BE49-F238E27FC236}">
-                <a16:creationId xmlns:a16="http://schemas.microsoft.com/office/drawing/2014/main" id="{C252A27C-3EF1-44F1-A54D-97D931F5BC8E}"/>
+                <a16:creationId xmlns:a16="http://schemas.microsoft.com/office/drawing/2014/main" id="{C00DFB39-E648-4A51-B7A4-B29F1AFDAD99}"/>
               </a:ext>
             </a:extLst>
           </p:cNvPr>
@@ -4034,62 +4696,44 @@
           <a:bodyPr/>
           <a:lstStyle/>
           <a:p>
-            <a:r>
-              <a:rPr lang="en-US" dirty="0"/>
-              <a:t>Frequency in cs/a</a:t>
-            </a:r>
-          </a:p>
-          <a:p>
-            <a:pPr marL="0" indent="0">
-              <a:buNone/>
-            </a:pPr>
-            <a:r>
-              <a:rPr lang="en-US" dirty="0"/>
-              <a:t>    </a:t>
-            </a:r>
-            <a:r>
-              <a:rPr lang="en-US" dirty="0" err="1"/>
-              <a:t>freq_SI</a:t>
-            </a:r>
-            <a:r>
-              <a:rPr lang="en-US" dirty="0"/>
-              <a:t> = </a:t>
-            </a:r>
-            <a:r>
-              <a:rPr lang="en-US" dirty="0" err="1"/>
-              <a:t>omega_GENE</a:t>
-            </a:r>
-            <a:r>
-              <a:rPr lang="en-US" dirty="0"/>
-              <a:t>* C_s/(2*pi*</a:t>
-            </a:r>
-            <a:r>
-              <a:rPr lang="en-US" dirty="0" err="1"/>
-              <a:t>Lref</a:t>
-            </a:r>
-            <a:r>
-              <a:rPr lang="en-US" dirty="0"/>
-              <a:t>)</a:t>
-            </a:r>
-          </a:p>
-          <a:p>
-            <a:pPr marL="0" indent="0">
-              <a:buNone/>
-            </a:pPr>
             <a:endParaRPr lang="en-US" dirty="0"/>
           </a:p>
-          <a:p>
-            <a:r>
-              <a:rPr lang="en-US" dirty="0"/>
-              <a:t>Where </a:t>
-            </a:r>
-          </a:p>
-        </p:txBody>
-      </p:sp>
+        </p:txBody>
+      </p:sp>
+      <p:pic>
+        <p:nvPicPr>
+          <p:cNvPr id="5" name="Picture 4">
+            <a:extLst>
+              <a:ext uri="{FF2B5EF4-FFF2-40B4-BE49-F238E27FC236}">
+                <a16:creationId xmlns:a16="http://schemas.microsoft.com/office/drawing/2014/main" id="{56DC80BA-0F4A-452C-95B2-32DC713C973C}"/>
+              </a:ext>
+            </a:extLst>
+          </p:cNvPr>
+          <p:cNvPicPr>
+            <a:picLocks noChangeAspect="1"/>
+          </p:cNvPicPr>
+          <p:nvPr/>
+        </p:nvPicPr>
+        <p:blipFill>
+          <a:blip r:embed="rId2"/>
+          <a:stretch>
+            <a:fillRect/>
+          </a:stretch>
+        </p:blipFill>
+        <p:spPr>
+          <a:xfrm>
+            <a:off x="2214021" y="2581156"/>
+            <a:ext cx="7763958" cy="1695687"/>
+          </a:xfrm>
+          <a:prstGeom prst="rect">
+            <a:avLst/>
+          </a:prstGeom>
+        </p:spPr>
+      </p:pic>
     </p:spTree>
     <p:extLst>
       <p:ext uri="{BB962C8B-B14F-4D97-AF65-F5344CB8AC3E}">
-        <p14:creationId xmlns:p14="http://schemas.microsoft.com/office/powerpoint/2010/main" val="1439954674"/>
+        <p14:creationId xmlns:p14="http://schemas.microsoft.com/office/powerpoint/2010/main" val="3464301098"/>
       </p:ext>
     </p:extLst>
   </p:cSld>
@@ -4121,7 +4765,7 @@
           <p:cNvPr id="2" name="Title 1">
             <a:extLst>
               <a:ext uri="{FF2B5EF4-FFF2-40B4-BE49-F238E27FC236}">
-                <a16:creationId xmlns:a16="http://schemas.microsoft.com/office/drawing/2014/main" id="{FEB895B5-5B41-4F33-8BBB-C415CB7F25C0}"/>
+                <a16:creationId xmlns:a16="http://schemas.microsoft.com/office/drawing/2014/main" id="{BE430C10-3226-484E-956C-E6300BC78715}"/>
               </a:ext>
             </a:extLst>
           </p:cNvPr>
@@ -4139,7 +4783,7 @@
           <a:p>
             <a:r>
               <a:rPr lang="en-US" dirty="0"/>
-              <a:t>Good reference</a:t>
+              <a:t>mom</a:t>
             </a:r>
           </a:p>
         </p:txBody>
@@ -4149,7 +4793,7 @@
           <p:cNvPr id="3" name="Content Placeholder 2">
             <a:extLst>
               <a:ext uri="{FF2B5EF4-FFF2-40B4-BE49-F238E27FC236}">
-                <a16:creationId xmlns:a16="http://schemas.microsoft.com/office/drawing/2014/main" id="{7B97FE7C-D59C-492A-855C-DF5FD3F0C6F8}"/>
+                <a16:creationId xmlns:a16="http://schemas.microsoft.com/office/drawing/2014/main" id="{9CD46B46-D0DA-4F99-B265-8ED939CD522B}"/>
               </a:ext>
             </a:extLst>
           </p:cNvPr>
@@ -4165,17 +4809,275 @@
           <a:bodyPr/>
           <a:lstStyle/>
           <a:p>
-            <a:r>
-              <a:rPr lang="en-US" dirty="0"/>
-              <a:t>Chapter 4 in GENE manual</a:t>
-            </a:r>
-          </a:p>
-        </p:txBody>
-      </p:sp>
+            <a:endParaRPr lang="en-US"/>
+          </a:p>
+        </p:txBody>
+      </p:sp>
+      <p:pic>
+        <p:nvPicPr>
+          <p:cNvPr id="5" name="Picture 4">
+            <a:extLst>
+              <a:ext uri="{FF2B5EF4-FFF2-40B4-BE49-F238E27FC236}">
+                <a16:creationId xmlns:a16="http://schemas.microsoft.com/office/drawing/2014/main" id="{6EA93B51-9BE3-4582-965D-48A9CBE27944}"/>
+              </a:ext>
+            </a:extLst>
+          </p:cNvPr>
+          <p:cNvPicPr>
+            <a:picLocks noChangeAspect="1"/>
+          </p:cNvPicPr>
+          <p:nvPr/>
+        </p:nvPicPr>
+        <p:blipFill>
+          <a:blip r:embed="rId2"/>
+          <a:stretch>
+            <a:fillRect/>
+          </a:stretch>
+        </p:blipFill>
+        <p:spPr>
+          <a:xfrm>
+            <a:off x="3395285" y="3086052"/>
+            <a:ext cx="5401429" cy="685896"/>
+          </a:xfrm>
+          <a:prstGeom prst="rect">
+            <a:avLst/>
+          </a:prstGeom>
+        </p:spPr>
+      </p:pic>
     </p:spTree>
     <p:extLst>
       <p:ext uri="{BB962C8B-B14F-4D97-AF65-F5344CB8AC3E}">
-        <p14:creationId xmlns:p14="http://schemas.microsoft.com/office/powerpoint/2010/main" val="2130599941"/>
+        <p14:creationId xmlns:p14="http://schemas.microsoft.com/office/powerpoint/2010/main" val="2587775391"/>
+      </p:ext>
+    </p:extLst>
+  </p:cSld>
+  <p:clrMapOvr>
+    <a:masterClrMapping/>
+  </p:clrMapOvr>
+</p:sld>
+</file>
+
+<file path=ppt/slides/slide8.xml><?xml version="1.0" encoding="utf-8"?>
+<p:sld xmlns:a="http://schemas.openxmlformats.org/drawingml/2006/main" xmlns:r="http://schemas.openxmlformats.org/officeDocument/2006/relationships" xmlns:p="http://schemas.openxmlformats.org/presentationml/2006/main">
+  <p:cSld>
+    <p:spTree>
+      <p:nvGrpSpPr>
+        <p:cNvPr id="1" name=""/>
+        <p:cNvGrpSpPr/>
+        <p:nvPr/>
+      </p:nvGrpSpPr>
+      <p:grpSpPr>
+        <a:xfrm>
+          <a:off x="0" y="0"/>
+          <a:ext cx="0" cy="0"/>
+          <a:chOff x="0" y="0"/>
+          <a:chExt cx="0" cy="0"/>
+        </a:xfrm>
+      </p:grpSpPr>
+      <p:sp>
+        <p:nvSpPr>
+          <p:cNvPr id="2" name="Title 1">
+            <a:extLst>
+              <a:ext uri="{FF2B5EF4-FFF2-40B4-BE49-F238E27FC236}">
+                <a16:creationId xmlns:a16="http://schemas.microsoft.com/office/drawing/2014/main" id="{1440CA69-E34F-459D-A156-7DC3B639E4CC}"/>
+              </a:ext>
+            </a:extLst>
+          </p:cNvPr>
+          <p:cNvSpPr>
+            <a:spLocks noGrp="1"/>
+          </p:cNvSpPr>
+          <p:nvPr>
+            <p:ph type="title"/>
+          </p:nvPr>
+        </p:nvSpPr>
+        <p:spPr/>
+        <p:txBody>
+          <a:bodyPr/>
+          <a:lstStyle/>
+          <a:p>
+            <a:r>
+              <a:rPr lang="en-US" dirty="0" err="1"/>
+              <a:t>vsp</a:t>
+            </a:r>
+            <a:endParaRPr lang="en-US" dirty="0"/>
+          </a:p>
+        </p:txBody>
+      </p:sp>
+      <p:sp>
+        <p:nvSpPr>
+          <p:cNvPr id="3" name="Content Placeholder 2">
+            <a:extLst>
+              <a:ext uri="{FF2B5EF4-FFF2-40B4-BE49-F238E27FC236}">
+                <a16:creationId xmlns:a16="http://schemas.microsoft.com/office/drawing/2014/main" id="{D8BA71D3-0680-40F7-A049-F54EE0C802EF}"/>
+              </a:ext>
+            </a:extLst>
+          </p:cNvPr>
+          <p:cNvSpPr>
+            <a:spLocks noGrp="1"/>
+          </p:cNvSpPr>
+          <p:nvPr>
+            <p:ph idx="1"/>
+          </p:nvPr>
+        </p:nvSpPr>
+        <p:spPr/>
+        <p:txBody>
+          <a:bodyPr/>
+          <a:lstStyle/>
+          <a:p>
+            <a:endParaRPr lang="en-US"/>
+          </a:p>
+        </p:txBody>
+      </p:sp>
+      <p:pic>
+        <p:nvPicPr>
+          <p:cNvPr id="5" name="Picture 4">
+            <a:extLst>
+              <a:ext uri="{FF2B5EF4-FFF2-40B4-BE49-F238E27FC236}">
+                <a16:creationId xmlns:a16="http://schemas.microsoft.com/office/drawing/2014/main" id="{6C5C6A1F-41B6-4435-B659-5B0955C35D8B}"/>
+              </a:ext>
+            </a:extLst>
+          </p:cNvPr>
+          <p:cNvPicPr>
+            <a:picLocks noChangeAspect="1"/>
+          </p:cNvPicPr>
+          <p:nvPr/>
+        </p:nvPicPr>
+        <p:blipFill>
+          <a:blip r:embed="rId2"/>
+          <a:stretch>
+            <a:fillRect/>
+          </a:stretch>
+        </p:blipFill>
+        <p:spPr>
+          <a:xfrm>
+            <a:off x="2156863" y="2652604"/>
+            <a:ext cx="7878274" cy="1552792"/>
+          </a:xfrm>
+          <a:prstGeom prst="rect">
+            <a:avLst/>
+          </a:prstGeom>
+        </p:spPr>
+      </p:pic>
+    </p:spTree>
+    <p:extLst>
+      <p:ext uri="{BB962C8B-B14F-4D97-AF65-F5344CB8AC3E}">
+        <p14:creationId xmlns:p14="http://schemas.microsoft.com/office/powerpoint/2010/main" val="3634974321"/>
+      </p:ext>
+    </p:extLst>
+  </p:cSld>
+  <p:clrMapOvr>
+    <a:masterClrMapping/>
+  </p:clrMapOvr>
+</p:sld>
+</file>
+
+<file path=ppt/slides/slide9.xml><?xml version="1.0" encoding="utf-8"?>
+<p:sld xmlns:a="http://schemas.openxmlformats.org/drawingml/2006/main" xmlns:r="http://schemas.openxmlformats.org/officeDocument/2006/relationships" xmlns:p="http://schemas.openxmlformats.org/presentationml/2006/main">
+  <p:cSld>
+    <p:spTree>
+      <p:nvGrpSpPr>
+        <p:cNvPr id="1" name=""/>
+        <p:cNvGrpSpPr/>
+        <p:nvPr/>
+      </p:nvGrpSpPr>
+      <p:grpSpPr>
+        <a:xfrm>
+          <a:off x="0" y="0"/>
+          <a:ext cx="0" cy="0"/>
+          <a:chOff x="0" y="0"/>
+          <a:chExt cx="0" cy="0"/>
+        </a:xfrm>
+      </p:grpSpPr>
+      <p:sp>
+        <p:nvSpPr>
+          <p:cNvPr id="2" name="Title 1">
+            <a:extLst>
+              <a:ext uri="{FF2B5EF4-FFF2-40B4-BE49-F238E27FC236}">
+                <a16:creationId xmlns:a16="http://schemas.microsoft.com/office/drawing/2014/main" id="{792726B2-82E9-49E1-9A7A-BE71570172AD}"/>
+              </a:ext>
+            </a:extLst>
+          </p:cNvPr>
+          <p:cNvSpPr>
+            <a:spLocks noGrp="1"/>
+          </p:cNvSpPr>
+          <p:nvPr>
+            <p:ph type="title"/>
+          </p:nvPr>
+        </p:nvSpPr>
+        <p:spPr/>
+        <p:txBody>
+          <a:bodyPr/>
+          <a:lstStyle/>
+          <a:p>
+            <a:r>
+              <a:rPr lang="en-US" dirty="0" err="1"/>
+              <a:t>Neoclass</a:t>
+            </a:r>
+            <a:r>
+              <a:rPr lang="en-US" dirty="0"/>
+              <a:t>*(only in neoclassical)</a:t>
+            </a:r>
+          </a:p>
+        </p:txBody>
+      </p:sp>
+      <p:sp>
+        <p:nvSpPr>
+          <p:cNvPr id="3" name="Content Placeholder 2">
+            <a:extLst>
+              <a:ext uri="{FF2B5EF4-FFF2-40B4-BE49-F238E27FC236}">
+                <a16:creationId xmlns:a16="http://schemas.microsoft.com/office/drawing/2014/main" id="{0CAD5C5B-C381-4288-9BFF-DCE702CF1D0C}"/>
+              </a:ext>
+            </a:extLst>
+          </p:cNvPr>
+          <p:cNvSpPr>
+            <a:spLocks noGrp="1"/>
+          </p:cNvSpPr>
+          <p:nvPr>
+            <p:ph idx="1"/>
+          </p:nvPr>
+        </p:nvSpPr>
+        <p:spPr/>
+        <p:txBody>
+          <a:bodyPr/>
+          <a:lstStyle/>
+          <a:p>
+            <a:endParaRPr lang="en-US" dirty="0"/>
+          </a:p>
+        </p:txBody>
+      </p:sp>
+      <p:pic>
+        <p:nvPicPr>
+          <p:cNvPr id="5" name="Picture 4">
+            <a:extLst>
+              <a:ext uri="{FF2B5EF4-FFF2-40B4-BE49-F238E27FC236}">
+                <a16:creationId xmlns:a16="http://schemas.microsoft.com/office/drawing/2014/main" id="{700FA968-D4BE-4AEB-816C-2EAEE0C3CC85}"/>
+              </a:ext>
+            </a:extLst>
+          </p:cNvPr>
+          <p:cNvPicPr>
+            <a:picLocks noChangeAspect="1"/>
+          </p:cNvPicPr>
+          <p:nvPr/>
+        </p:nvPicPr>
+        <p:blipFill>
+          <a:blip r:embed="rId2"/>
+          <a:stretch>
+            <a:fillRect/>
+          </a:stretch>
+        </p:blipFill>
+        <p:spPr>
+          <a:xfrm>
+            <a:off x="838200" y="1825625"/>
+            <a:ext cx="7783011" cy="3029373"/>
+          </a:xfrm>
+          <a:prstGeom prst="rect">
+            <a:avLst/>
+          </a:prstGeom>
+        </p:spPr>
+      </p:pic>
+    </p:spTree>
+    <p:extLst>
+      <p:ext uri="{BB962C8B-B14F-4D97-AF65-F5344CB8AC3E}">
+        <p14:creationId xmlns:p14="http://schemas.microsoft.com/office/powerpoint/2010/main" val="634919456"/>
       </p:ext>
     </p:extLst>
   </p:cSld>

--- a/Intro_to_GENE/3_Structure_of_output.pptx
+++ b/Intro_to_GENE/3_Structure_of_output.pptx
@@ -9,16 +9,17 @@
     <p:sldId id="259" r:id="rId3"/>
     <p:sldId id="257" r:id="rId4"/>
     <p:sldId id="263" r:id="rId5"/>
-    <p:sldId id="260" r:id="rId6"/>
-    <p:sldId id="264" r:id="rId7"/>
-    <p:sldId id="265" r:id="rId8"/>
-    <p:sldId id="266" r:id="rId9"/>
-    <p:sldId id="267" r:id="rId10"/>
-    <p:sldId id="268" r:id="rId11"/>
-    <p:sldId id="269" r:id="rId12"/>
-    <p:sldId id="270" r:id="rId13"/>
-    <p:sldId id="262" r:id="rId14"/>
-    <p:sldId id="258" r:id="rId15"/>
+    <p:sldId id="271" r:id="rId6"/>
+    <p:sldId id="260" r:id="rId7"/>
+    <p:sldId id="264" r:id="rId8"/>
+    <p:sldId id="265" r:id="rId9"/>
+    <p:sldId id="266" r:id="rId10"/>
+    <p:sldId id="267" r:id="rId11"/>
+    <p:sldId id="268" r:id="rId12"/>
+    <p:sldId id="269" r:id="rId13"/>
+    <p:sldId id="270" r:id="rId14"/>
+    <p:sldId id="262" r:id="rId15"/>
+    <p:sldId id="258" r:id="rId16"/>
   </p:sldIdLst>
   <p:sldSz cx="12192000" cy="6858000"/>
   <p:notesSz cx="6858000" cy="9144000"/>
@@ -284,7 +285,7 @@
           <a:p>
             <a:fld id="{5FC85D78-2920-445E-8686-FA2F3D4A48D8}" type="datetimeFigureOut">
               <a:rPr lang="en-US" smtClean="0"/>
-              <a:t>5/31/2021</a:t>
+              <a:t>6/2/2021</a:t>
             </a:fld>
             <a:endParaRPr lang="en-US"/>
           </a:p>
@@ -482,7 +483,7 @@
           <a:p>
             <a:fld id="{5FC85D78-2920-445E-8686-FA2F3D4A48D8}" type="datetimeFigureOut">
               <a:rPr lang="en-US" smtClean="0"/>
-              <a:t>5/31/2021</a:t>
+              <a:t>6/2/2021</a:t>
             </a:fld>
             <a:endParaRPr lang="en-US"/>
           </a:p>
@@ -690,7 +691,7 @@
           <a:p>
             <a:fld id="{5FC85D78-2920-445E-8686-FA2F3D4A48D8}" type="datetimeFigureOut">
               <a:rPr lang="en-US" smtClean="0"/>
-              <a:t>5/31/2021</a:t>
+              <a:t>6/2/2021</a:t>
             </a:fld>
             <a:endParaRPr lang="en-US"/>
           </a:p>
@@ -888,7 +889,7 @@
           <a:p>
             <a:fld id="{5FC85D78-2920-445E-8686-FA2F3D4A48D8}" type="datetimeFigureOut">
               <a:rPr lang="en-US" smtClean="0"/>
-              <a:t>5/31/2021</a:t>
+              <a:t>6/2/2021</a:t>
             </a:fld>
             <a:endParaRPr lang="en-US"/>
           </a:p>
@@ -1163,7 +1164,7 @@
           <a:p>
             <a:fld id="{5FC85D78-2920-445E-8686-FA2F3D4A48D8}" type="datetimeFigureOut">
               <a:rPr lang="en-US" smtClean="0"/>
-              <a:t>5/31/2021</a:t>
+              <a:t>6/2/2021</a:t>
             </a:fld>
             <a:endParaRPr lang="en-US"/>
           </a:p>
@@ -1428,7 +1429,7 @@
           <a:p>
             <a:fld id="{5FC85D78-2920-445E-8686-FA2F3D4A48D8}" type="datetimeFigureOut">
               <a:rPr lang="en-US" smtClean="0"/>
-              <a:t>5/31/2021</a:t>
+              <a:t>6/2/2021</a:t>
             </a:fld>
             <a:endParaRPr lang="en-US"/>
           </a:p>
@@ -1840,7 +1841,7 @@
           <a:p>
             <a:fld id="{5FC85D78-2920-445E-8686-FA2F3D4A48D8}" type="datetimeFigureOut">
               <a:rPr lang="en-US" smtClean="0"/>
-              <a:t>5/31/2021</a:t>
+              <a:t>6/2/2021</a:t>
             </a:fld>
             <a:endParaRPr lang="en-US"/>
           </a:p>
@@ -1981,7 +1982,7 @@
           <a:p>
             <a:fld id="{5FC85D78-2920-445E-8686-FA2F3D4A48D8}" type="datetimeFigureOut">
               <a:rPr lang="en-US" smtClean="0"/>
-              <a:t>5/31/2021</a:t>
+              <a:t>6/2/2021</a:t>
             </a:fld>
             <a:endParaRPr lang="en-US"/>
           </a:p>
@@ -2094,7 +2095,7 @@
           <a:p>
             <a:fld id="{5FC85D78-2920-445E-8686-FA2F3D4A48D8}" type="datetimeFigureOut">
               <a:rPr lang="en-US" smtClean="0"/>
-              <a:t>5/31/2021</a:t>
+              <a:t>6/2/2021</a:t>
             </a:fld>
             <a:endParaRPr lang="en-US"/>
           </a:p>
@@ -2405,7 +2406,7 @@
           <a:p>
             <a:fld id="{5FC85D78-2920-445E-8686-FA2F3D4A48D8}" type="datetimeFigureOut">
               <a:rPr lang="en-US" smtClean="0"/>
-              <a:t>5/31/2021</a:t>
+              <a:t>6/2/2021</a:t>
             </a:fld>
             <a:endParaRPr lang="en-US"/>
           </a:p>
@@ -2693,7 +2694,7 @@
           <a:p>
             <a:fld id="{5FC85D78-2920-445E-8686-FA2F3D4A48D8}" type="datetimeFigureOut">
               <a:rPr lang="en-US" smtClean="0"/>
-              <a:t>5/31/2021</a:t>
+              <a:t>6/2/2021</a:t>
             </a:fld>
             <a:endParaRPr lang="en-US"/>
           </a:p>
@@ -2934,7 +2935,7 @@
           <a:p>
             <a:fld id="{5FC85D78-2920-445E-8686-FA2F3D4A48D8}" type="datetimeFigureOut">
               <a:rPr lang="en-US" smtClean="0"/>
-              <a:t>5/31/2021</a:t>
+              <a:t>6/2/2021</a:t>
             </a:fld>
             <a:endParaRPr lang="en-US"/>
           </a:p>
@@ -3439,6 +3440,123 @@
           <p:cNvPr id="2" name="Title 1">
             <a:extLst>
               <a:ext uri="{FF2B5EF4-FFF2-40B4-BE49-F238E27FC236}">
+                <a16:creationId xmlns:a16="http://schemas.microsoft.com/office/drawing/2014/main" id="{792726B2-82E9-49E1-9A7A-BE71570172AD}"/>
+              </a:ext>
+            </a:extLst>
+          </p:cNvPr>
+          <p:cNvSpPr>
+            <a:spLocks noGrp="1"/>
+          </p:cNvSpPr>
+          <p:nvPr>
+            <p:ph type="title"/>
+          </p:nvPr>
+        </p:nvSpPr>
+        <p:spPr/>
+        <p:txBody>
+          <a:bodyPr/>
+          <a:lstStyle/>
+          <a:p>
+            <a:r>
+              <a:rPr lang="en-US" dirty="0" err="1"/>
+              <a:t>Neoclass</a:t>
+            </a:r>
+            <a:r>
+              <a:rPr lang="en-US" dirty="0"/>
+              <a:t>*(only in neoclassical)</a:t>
+            </a:r>
+          </a:p>
+        </p:txBody>
+      </p:sp>
+      <p:sp>
+        <p:nvSpPr>
+          <p:cNvPr id="3" name="Content Placeholder 2">
+            <a:extLst>
+              <a:ext uri="{FF2B5EF4-FFF2-40B4-BE49-F238E27FC236}">
+                <a16:creationId xmlns:a16="http://schemas.microsoft.com/office/drawing/2014/main" id="{0CAD5C5B-C381-4288-9BFF-DCE702CF1D0C}"/>
+              </a:ext>
+            </a:extLst>
+          </p:cNvPr>
+          <p:cNvSpPr>
+            <a:spLocks noGrp="1"/>
+          </p:cNvSpPr>
+          <p:nvPr>
+            <p:ph idx="1"/>
+          </p:nvPr>
+        </p:nvSpPr>
+        <p:spPr/>
+        <p:txBody>
+          <a:bodyPr/>
+          <a:lstStyle/>
+          <a:p>
+            <a:endParaRPr lang="en-US" dirty="0"/>
+          </a:p>
+        </p:txBody>
+      </p:sp>
+      <p:pic>
+        <p:nvPicPr>
+          <p:cNvPr id="5" name="Picture 4">
+            <a:extLst>
+              <a:ext uri="{FF2B5EF4-FFF2-40B4-BE49-F238E27FC236}">
+                <a16:creationId xmlns:a16="http://schemas.microsoft.com/office/drawing/2014/main" id="{700FA968-D4BE-4AEB-816C-2EAEE0C3CC85}"/>
+              </a:ext>
+            </a:extLst>
+          </p:cNvPr>
+          <p:cNvPicPr>
+            <a:picLocks noChangeAspect="1"/>
+          </p:cNvPicPr>
+          <p:nvPr/>
+        </p:nvPicPr>
+        <p:blipFill>
+          <a:blip r:embed="rId2"/>
+          <a:stretch>
+            <a:fillRect/>
+          </a:stretch>
+        </p:blipFill>
+        <p:spPr>
+          <a:xfrm>
+            <a:off x="838200" y="1825625"/>
+            <a:ext cx="7783011" cy="3029373"/>
+          </a:xfrm>
+          <a:prstGeom prst="rect">
+            <a:avLst/>
+          </a:prstGeom>
+        </p:spPr>
+      </p:pic>
+    </p:spTree>
+    <p:extLst>
+      <p:ext uri="{BB962C8B-B14F-4D97-AF65-F5344CB8AC3E}">
+        <p14:creationId xmlns:p14="http://schemas.microsoft.com/office/powerpoint/2010/main" val="634919456"/>
+      </p:ext>
+    </p:extLst>
+  </p:cSld>
+  <p:clrMapOvr>
+    <a:masterClrMapping/>
+  </p:clrMapOvr>
+</p:sld>
+</file>
+
+<file path=ppt/slides/slide11.xml><?xml version="1.0" encoding="utf-8"?>
+<p:sld xmlns:a="http://schemas.openxmlformats.org/drawingml/2006/main" xmlns:r="http://schemas.openxmlformats.org/officeDocument/2006/relationships" xmlns:p="http://schemas.openxmlformats.org/presentationml/2006/main">
+  <p:cSld>
+    <p:spTree>
+      <p:nvGrpSpPr>
+        <p:cNvPr id="1" name=""/>
+        <p:cNvGrpSpPr/>
+        <p:nvPr/>
+      </p:nvGrpSpPr>
+      <p:grpSpPr>
+        <a:xfrm>
+          <a:off x="0" y="0"/>
+          <a:ext cx="0" cy="0"/>
+          <a:chOff x="0" y="0"/>
+          <a:chExt cx="0" cy="0"/>
+        </a:xfrm>
+      </p:grpSpPr>
+      <p:sp>
+        <p:nvSpPr>
+          <p:cNvPr id="2" name="Title 1">
+            <a:extLst>
+              <a:ext uri="{FF2B5EF4-FFF2-40B4-BE49-F238E27FC236}">
                 <a16:creationId xmlns:a16="http://schemas.microsoft.com/office/drawing/2014/main" id="{69F6A51D-B3DA-4066-81BA-51C55BFE2F5E}"/>
               </a:ext>
             </a:extLst>
@@ -3504,7 +3622,7 @@
 </p:sld>
 </file>
 
-<file path=ppt/slides/slide11.xml><?xml version="1.0" encoding="utf-8"?>
+<file path=ppt/slides/slide12.xml><?xml version="1.0" encoding="utf-8"?>
 <p:sld xmlns:a="http://schemas.openxmlformats.org/drawingml/2006/main" xmlns:r="http://schemas.openxmlformats.org/officeDocument/2006/relationships" xmlns:p="http://schemas.openxmlformats.org/presentationml/2006/main">
   <p:cSld>
     <p:spTree>
@@ -3617,7 +3735,7 @@
 </p:sld>
 </file>
 
-<file path=ppt/slides/slide12.xml><?xml version="1.0" encoding="utf-8"?>
+<file path=ppt/slides/slide13.xml><?xml version="1.0" encoding="utf-8"?>
 <p:sld xmlns:a="http://schemas.openxmlformats.org/drawingml/2006/main" xmlns:r="http://schemas.openxmlformats.org/officeDocument/2006/relationships" xmlns:p="http://schemas.openxmlformats.org/presentationml/2006/main">
   <p:cSld>
     <p:spTree>
@@ -3717,7 +3835,7 @@
 </p:sld>
 </file>
 
-<file path=ppt/slides/slide13.xml><?xml version="1.0" encoding="utf-8"?>
+<file path=ppt/slides/slide14.xml><?xml version="1.0" encoding="utf-8"?>
 <p:sld xmlns:a="http://schemas.openxmlformats.org/drawingml/2006/main" xmlns:r="http://schemas.openxmlformats.org/officeDocument/2006/relationships" xmlns:p="http://schemas.openxmlformats.org/presentationml/2006/main">
   <p:cSld>
     <p:spTree>
@@ -3945,7 +4063,7 @@
 </p:sld>
 </file>
 
-<file path=ppt/slides/slide14.xml><?xml version="1.0" encoding="utf-8"?>
+<file path=ppt/slides/slide15.xml><?xml version="1.0" encoding="utf-8"?>
 <p:sld xmlns:a="http://schemas.openxmlformats.org/drawingml/2006/main" xmlns:r="http://schemas.openxmlformats.org/officeDocument/2006/relationships" xmlns:p="http://schemas.openxmlformats.org/presentationml/2006/main">
   <p:cSld>
     <p:spTree>
@@ -4487,6 +4605,773 @@
           <p:cNvPr id="2" name="Title 1">
             <a:extLst>
               <a:ext uri="{FF2B5EF4-FFF2-40B4-BE49-F238E27FC236}">
+                <a16:creationId xmlns:a16="http://schemas.microsoft.com/office/drawing/2014/main" id="{DA8526C2-E132-40CA-99BB-E5F2C5DA8640}"/>
+              </a:ext>
+            </a:extLst>
+          </p:cNvPr>
+          <p:cNvSpPr>
+            <a:spLocks noGrp="1"/>
+          </p:cNvSpPr>
+          <p:nvPr>
+            <p:ph type="title"/>
+          </p:nvPr>
+        </p:nvSpPr>
+        <p:spPr/>
+        <p:txBody>
+          <a:bodyPr/>
+          <a:lstStyle/>
+          <a:p>
+            <a:r>
+              <a:rPr lang="en-US" dirty="0" err="1"/>
+              <a:t>Nrg</a:t>
+            </a:r>
+            <a:r>
+              <a:rPr lang="en-US" dirty="0"/>
+              <a:t> data</a:t>
+            </a:r>
+          </a:p>
+        </p:txBody>
+      </p:sp>
+      <p:sp>
+        <p:nvSpPr>
+          <p:cNvPr id="3" name="Content Placeholder 2">
+            <a:extLst>
+              <a:ext uri="{FF2B5EF4-FFF2-40B4-BE49-F238E27FC236}">
+                <a16:creationId xmlns:a16="http://schemas.microsoft.com/office/drawing/2014/main" id="{8DBED4F9-9F83-4910-A7CB-1716D09FBA69}"/>
+              </a:ext>
+            </a:extLst>
+          </p:cNvPr>
+          <p:cNvSpPr>
+            <a:spLocks noGrp="1"/>
+          </p:cNvSpPr>
+          <p:nvPr>
+            <p:ph idx="1"/>
+          </p:nvPr>
+        </p:nvSpPr>
+        <p:spPr>
+          <a:xfrm>
+            <a:off x="521889" y="1338231"/>
+            <a:ext cx="1235890" cy="537128"/>
+          </a:xfrm>
+        </p:spPr>
+        <p:txBody>
+          <a:bodyPr>
+            <a:normAutofit/>
+          </a:bodyPr>
+          <a:lstStyle/>
+          <a:p>
+            <a:pPr marL="0" indent="0">
+              <a:buNone/>
+            </a:pPr>
+            <a:r>
+              <a:rPr lang="en-US" b="1" dirty="0">
+                <a:solidFill>
+                  <a:srgbClr val="FF0000"/>
+                </a:solidFill>
+              </a:rPr>
+              <a:t>Time</a:t>
+            </a:r>
+          </a:p>
+        </p:txBody>
+      </p:sp>
+      <p:pic>
+        <p:nvPicPr>
+          <p:cNvPr id="5" name="Picture 4">
+            <a:extLst>
+              <a:ext uri="{FF2B5EF4-FFF2-40B4-BE49-F238E27FC236}">
+                <a16:creationId xmlns:a16="http://schemas.microsoft.com/office/drawing/2014/main" id="{346D806D-A846-4CFA-9A4F-6D3765C306F4}"/>
+              </a:ext>
+            </a:extLst>
+          </p:cNvPr>
+          <p:cNvPicPr>
+            <a:picLocks noChangeAspect="1"/>
+          </p:cNvPicPr>
+          <p:nvPr/>
+        </p:nvPicPr>
+        <p:blipFill>
+          <a:blip r:embed="rId2"/>
+          <a:stretch>
+            <a:fillRect/>
+          </a:stretch>
+        </p:blipFill>
+        <p:spPr>
+          <a:xfrm>
+            <a:off x="105995" y="2205965"/>
+            <a:ext cx="12157026" cy="4311278"/>
+          </a:xfrm>
+          <a:prstGeom prst="rect">
+            <a:avLst/>
+          </a:prstGeom>
+        </p:spPr>
+      </p:pic>
+      <p:sp>
+        <p:nvSpPr>
+          <p:cNvPr id="6" name="Rectangle 5">
+            <a:extLst>
+              <a:ext uri="{FF2B5EF4-FFF2-40B4-BE49-F238E27FC236}">
+                <a16:creationId xmlns:a16="http://schemas.microsoft.com/office/drawing/2014/main" id="{36C1B636-B15F-45AC-AA7C-5F9A2B682CB4}"/>
+              </a:ext>
+            </a:extLst>
+          </p:cNvPr>
+          <p:cNvSpPr/>
+          <p:nvPr/>
+        </p:nvSpPr>
+        <p:spPr>
+          <a:xfrm>
+            <a:off x="536917" y="2086509"/>
+            <a:ext cx="1158718" cy="279918"/>
+          </a:xfrm>
+          <a:prstGeom prst="rect">
+            <a:avLst/>
+          </a:prstGeom>
+          <a:noFill/>
+          <a:ln w="57150">
+            <a:solidFill>
+              <a:srgbClr val="FF0000"/>
+            </a:solidFill>
+          </a:ln>
+        </p:spPr>
+        <p:style>
+          <a:lnRef idx="2">
+            <a:schemeClr val="accent1">
+              <a:shade val="50000"/>
+            </a:schemeClr>
+          </a:lnRef>
+          <a:fillRef idx="1">
+            <a:schemeClr val="accent1"/>
+          </a:fillRef>
+          <a:effectRef idx="0">
+            <a:schemeClr val="accent1"/>
+          </a:effectRef>
+          <a:fontRef idx="minor">
+            <a:schemeClr val="lt1"/>
+          </a:fontRef>
+        </p:style>
+        <p:txBody>
+          <a:bodyPr rtlCol="0" anchor="ctr"/>
+          <a:lstStyle/>
+          <a:p>
+            <a:pPr algn="ctr"/>
+            <a:endParaRPr lang="en-US"/>
+          </a:p>
+        </p:txBody>
+      </p:sp>
+      <p:cxnSp>
+        <p:nvCxnSpPr>
+          <p:cNvPr id="8" name="Straight Arrow Connector 7">
+            <a:extLst>
+              <a:ext uri="{FF2B5EF4-FFF2-40B4-BE49-F238E27FC236}">
+                <a16:creationId xmlns:a16="http://schemas.microsoft.com/office/drawing/2014/main" id="{706A9E1B-97F1-45EC-B720-110C7E68A1F6}"/>
+              </a:ext>
+            </a:extLst>
+          </p:cNvPr>
+          <p:cNvCxnSpPr>
+            <a:cxnSpLocks/>
+            <a:stCxn id="3" idx="2"/>
+            <a:endCxn id="6" idx="0"/>
+          </p:cNvCxnSpPr>
+          <p:nvPr/>
+        </p:nvCxnSpPr>
+        <p:spPr>
+          <a:xfrm flipH="1">
+            <a:off x="1116276" y="1875359"/>
+            <a:ext cx="23558" cy="211150"/>
+          </a:xfrm>
+          <a:prstGeom prst="straightConnector1">
+            <a:avLst/>
+          </a:prstGeom>
+          <a:ln>
+            <a:tailEnd type="triangle"/>
+          </a:ln>
+        </p:spPr>
+        <p:style>
+          <a:lnRef idx="1">
+            <a:schemeClr val="accent1"/>
+          </a:lnRef>
+          <a:fillRef idx="0">
+            <a:schemeClr val="accent1"/>
+          </a:fillRef>
+          <a:effectRef idx="0">
+            <a:schemeClr val="accent1"/>
+          </a:effectRef>
+          <a:fontRef idx="minor">
+            <a:schemeClr val="tx1"/>
+          </a:fontRef>
+        </p:style>
+      </p:cxnSp>
+      <p:sp>
+        <p:nvSpPr>
+          <p:cNvPr id="12" name="Rectangle 11">
+            <a:extLst>
+              <a:ext uri="{FF2B5EF4-FFF2-40B4-BE49-F238E27FC236}">
+                <a16:creationId xmlns:a16="http://schemas.microsoft.com/office/drawing/2014/main" id="{770D6F6A-3C75-41DC-A484-20CA8B15C741}"/>
+              </a:ext>
+            </a:extLst>
+          </p:cNvPr>
+          <p:cNvSpPr/>
+          <p:nvPr/>
+        </p:nvSpPr>
+        <p:spPr>
+          <a:xfrm>
+            <a:off x="105995" y="2485883"/>
+            <a:ext cx="12086005" cy="384556"/>
+          </a:xfrm>
+          <a:prstGeom prst="rect">
+            <a:avLst/>
+          </a:prstGeom>
+          <a:noFill/>
+          <a:ln w="57150">
+            <a:solidFill>
+              <a:srgbClr val="00B050"/>
+            </a:solidFill>
+          </a:ln>
+        </p:spPr>
+        <p:style>
+          <a:lnRef idx="2">
+            <a:schemeClr val="accent1">
+              <a:shade val="50000"/>
+            </a:schemeClr>
+          </a:lnRef>
+          <a:fillRef idx="1">
+            <a:schemeClr val="accent1"/>
+          </a:fillRef>
+          <a:effectRef idx="0">
+            <a:schemeClr val="accent1"/>
+          </a:effectRef>
+          <a:fontRef idx="minor">
+            <a:schemeClr val="lt1"/>
+          </a:fontRef>
+        </p:style>
+        <p:txBody>
+          <a:bodyPr rtlCol="0" anchor="ctr"/>
+          <a:lstStyle/>
+          <a:p>
+            <a:pPr algn="ctr"/>
+            <a:endParaRPr lang="en-US"/>
+          </a:p>
+        </p:txBody>
+      </p:sp>
+      <p:sp>
+        <p:nvSpPr>
+          <p:cNvPr id="17" name="Content Placeholder 2">
+            <a:extLst>
+              <a:ext uri="{FF2B5EF4-FFF2-40B4-BE49-F238E27FC236}">
+                <a16:creationId xmlns:a16="http://schemas.microsoft.com/office/drawing/2014/main" id="{020CC01A-C1AB-487E-812D-1DFF9DD5FE70}"/>
+              </a:ext>
+            </a:extLst>
+          </p:cNvPr>
+          <p:cNvSpPr txBox="1">
+            <a:spLocks/>
+          </p:cNvSpPr>
+          <p:nvPr/>
+        </p:nvSpPr>
+        <p:spPr>
+          <a:xfrm>
+            <a:off x="7450469" y="1065319"/>
+            <a:ext cx="4219642" cy="595311"/>
+          </a:xfrm>
+          <a:prstGeom prst="rect">
+            <a:avLst/>
+          </a:prstGeom>
+        </p:spPr>
+        <p:txBody>
+          <a:bodyPr vert="horz" lIns="91440" tIns="45720" rIns="91440" bIns="45720" rtlCol="0">
+            <a:normAutofit/>
+          </a:bodyPr>
+          <a:lstStyle>
+            <a:lvl1pPr marL="228600" indent="-228600" algn="l" defTabSz="914400" rtl="0" eaLnBrk="1" latinLnBrk="0" hangingPunct="1">
+              <a:lnSpc>
+                <a:spcPct val="90000"/>
+              </a:lnSpc>
+              <a:spcBef>
+                <a:spcPts val="1000"/>
+              </a:spcBef>
+              <a:buFont typeface="Arial" panose="020B0604020202020204" pitchFamily="34" charset="0"/>
+              <a:buChar char="•"/>
+              <a:defRPr sz="2800" kern="1200">
+                <a:solidFill>
+                  <a:schemeClr val="tx1"/>
+                </a:solidFill>
+                <a:latin typeface="+mn-lt"/>
+                <a:ea typeface="+mn-ea"/>
+                <a:cs typeface="+mn-cs"/>
+              </a:defRPr>
+            </a:lvl1pPr>
+            <a:lvl2pPr marL="685800" indent="-228600" algn="l" defTabSz="914400" rtl="0" eaLnBrk="1" latinLnBrk="0" hangingPunct="1">
+              <a:lnSpc>
+                <a:spcPct val="90000"/>
+              </a:lnSpc>
+              <a:spcBef>
+                <a:spcPts val="500"/>
+              </a:spcBef>
+              <a:buFont typeface="Arial" panose="020B0604020202020204" pitchFamily="34" charset="0"/>
+              <a:buChar char="•"/>
+              <a:defRPr sz="2400" kern="1200">
+                <a:solidFill>
+                  <a:schemeClr val="tx1"/>
+                </a:solidFill>
+                <a:latin typeface="+mn-lt"/>
+                <a:ea typeface="+mn-ea"/>
+                <a:cs typeface="+mn-cs"/>
+              </a:defRPr>
+            </a:lvl2pPr>
+            <a:lvl3pPr marL="1143000" indent="-228600" algn="l" defTabSz="914400" rtl="0" eaLnBrk="1" latinLnBrk="0" hangingPunct="1">
+              <a:lnSpc>
+                <a:spcPct val="90000"/>
+              </a:lnSpc>
+              <a:spcBef>
+                <a:spcPts val="500"/>
+              </a:spcBef>
+              <a:buFont typeface="Arial" panose="020B0604020202020204" pitchFamily="34" charset="0"/>
+              <a:buChar char="•"/>
+              <a:defRPr sz="2000" kern="1200">
+                <a:solidFill>
+                  <a:schemeClr val="tx1"/>
+                </a:solidFill>
+                <a:latin typeface="+mn-lt"/>
+                <a:ea typeface="+mn-ea"/>
+                <a:cs typeface="+mn-cs"/>
+              </a:defRPr>
+            </a:lvl3pPr>
+            <a:lvl4pPr marL="1600200" indent="-228600" algn="l" defTabSz="914400" rtl="0" eaLnBrk="1" latinLnBrk="0" hangingPunct="1">
+              <a:lnSpc>
+                <a:spcPct val="90000"/>
+              </a:lnSpc>
+              <a:spcBef>
+                <a:spcPts val="500"/>
+              </a:spcBef>
+              <a:buFont typeface="Arial" panose="020B0604020202020204" pitchFamily="34" charset="0"/>
+              <a:buChar char="•"/>
+              <a:defRPr sz="1800" kern="1200">
+                <a:solidFill>
+                  <a:schemeClr val="tx1"/>
+                </a:solidFill>
+                <a:latin typeface="+mn-lt"/>
+                <a:ea typeface="+mn-ea"/>
+                <a:cs typeface="+mn-cs"/>
+              </a:defRPr>
+            </a:lvl4pPr>
+            <a:lvl5pPr marL="2057400" indent="-228600" algn="l" defTabSz="914400" rtl="0" eaLnBrk="1" latinLnBrk="0" hangingPunct="1">
+              <a:lnSpc>
+                <a:spcPct val="90000"/>
+              </a:lnSpc>
+              <a:spcBef>
+                <a:spcPts val="500"/>
+              </a:spcBef>
+              <a:buFont typeface="Arial" panose="020B0604020202020204" pitchFamily="34" charset="0"/>
+              <a:buChar char="•"/>
+              <a:defRPr sz="1800" kern="1200">
+                <a:solidFill>
+                  <a:schemeClr val="tx1"/>
+                </a:solidFill>
+                <a:latin typeface="+mn-lt"/>
+                <a:ea typeface="+mn-ea"/>
+                <a:cs typeface="+mn-cs"/>
+              </a:defRPr>
+            </a:lvl5pPr>
+            <a:lvl6pPr marL="2514600" indent="-228600" algn="l" defTabSz="914400" rtl="0" eaLnBrk="1" latinLnBrk="0" hangingPunct="1">
+              <a:lnSpc>
+                <a:spcPct val="90000"/>
+              </a:lnSpc>
+              <a:spcBef>
+                <a:spcPts val="500"/>
+              </a:spcBef>
+              <a:buFont typeface="Arial" panose="020B0604020202020204" pitchFamily="34" charset="0"/>
+              <a:buChar char="•"/>
+              <a:defRPr sz="1800" kern="1200">
+                <a:solidFill>
+                  <a:schemeClr val="tx1"/>
+                </a:solidFill>
+                <a:latin typeface="+mn-lt"/>
+                <a:ea typeface="+mn-ea"/>
+                <a:cs typeface="+mn-cs"/>
+              </a:defRPr>
+            </a:lvl6pPr>
+            <a:lvl7pPr marL="2971800" indent="-228600" algn="l" defTabSz="914400" rtl="0" eaLnBrk="1" latinLnBrk="0" hangingPunct="1">
+              <a:lnSpc>
+                <a:spcPct val="90000"/>
+              </a:lnSpc>
+              <a:spcBef>
+                <a:spcPts val="500"/>
+              </a:spcBef>
+              <a:buFont typeface="Arial" panose="020B0604020202020204" pitchFamily="34" charset="0"/>
+              <a:buChar char="•"/>
+              <a:defRPr sz="1800" kern="1200">
+                <a:solidFill>
+                  <a:schemeClr val="tx1"/>
+                </a:solidFill>
+                <a:latin typeface="+mn-lt"/>
+                <a:ea typeface="+mn-ea"/>
+                <a:cs typeface="+mn-cs"/>
+              </a:defRPr>
+            </a:lvl7pPr>
+            <a:lvl8pPr marL="3429000" indent="-228600" algn="l" defTabSz="914400" rtl="0" eaLnBrk="1" latinLnBrk="0" hangingPunct="1">
+              <a:lnSpc>
+                <a:spcPct val="90000"/>
+              </a:lnSpc>
+              <a:spcBef>
+                <a:spcPts val="500"/>
+              </a:spcBef>
+              <a:buFont typeface="Arial" panose="020B0604020202020204" pitchFamily="34" charset="0"/>
+              <a:buChar char="•"/>
+              <a:defRPr sz="1800" kern="1200">
+                <a:solidFill>
+                  <a:schemeClr val="tx1"/>
+                </a:solidFill>
+                <a:latin typeface="+mn-lt"/>
+                <a:ea typeface="+mn-ea"/>
+                <a:cs typeface="+mn-cs"/>
+              </a:defRPr>
+            </a:lvl8pPr>
+            <a:lvl9pPr marL="3886200" indent="-228600" algn="l" defTabSz="914400" rtl="0" eaLnBrk="1" latinLnBrk="0" hangingPunct="1">
+              <a:lnSpc>
+                <a:spcPct val="90000"/>
+              </a:lnSpc>
+              <a:spcBef>
+                <a:spcPts val="500"/>
+              </a:spcBef>
+              <a:buFont typeface="Arial" panose="020B0604020202020204" pitchFamily="34" charset="0"/>
+              <a:buChar char="•"/>
+              <a:defRPr sz="1800" kern="1200">
+                <a:solidFill>
+                  <a:schemeClr val="tx1"/>
+                </a:solidFill>
+                <a:latin typeface="+mn-lt"/>
+                <a:ea typeface="+mn-ea"/>
+                <a:cs typeface="+mn-cs"/>
+              </a:defRPr>
+            </a:lvl9pPr>
+          </a:lstStyle>
+          <a:p>
+            <a:pPr marL="0" indent="0">
+              <a:buFont typeface="Arial" panose="020B0604020202020204" pitchFamily="34" charset="0"/>
+              <a:buNone/>
+            </a:pPr>
+            <a:r>
+              <a:rPr lang="en-US" sz="3200" dirty="0"/>
+              <a:t>Data from species </a:t>
+            </a:r>
+            <a:r>
+              <a:rPr lang="en-US" sz="3200" dirty="0">
+                <a:solidFill>
+                  <a:srgbClr val="00B050"/>
+                </a:solidFill>
+              </a:rPr>
+              <a:t>1</a:t>
+            </a:r>
+            <a:r>
+              <a:rPr lang="en-US" sz="3200" dirty="0"/>
+              <a:t> </a:t>
+            </a:r>
+            <a:r>
+              <a:rPr lang="en-US" sz="3200" dirty="0">
+                <a:solidFill>
+                  <a:srgbClr val="FFC000"/>
+                </a:solidFill>
+              </a:rPr>
+              <a:t>2</a:t>
+            </a:r>
+            <a:r>
+              <a:rPr lang="en-US" sz="3200" dirty="0"/>
+              <a:t> </a:t>
+            </a:r>
+            <a:r>
+              <a:rPr lang="en-US" sz="3200" dirty="0">
+                <a:solidFill>
+                  <a:srgbClr val="00B0F0"/>
+                </a:solidFill>
+              </a:rPr>
+              <a:t>3</a:t>
+            </a:r>
+          </a:p>
+        </p:txBody>
+      </p:sp>
+      <p:cxnSp>
+        <p:nvCxnSpPr>
+          <p:cNvPr id="18" name="Straight Arrow Connector 17">
+            <a:extLst>
+              <a:ext uri="{FF2B5EF4-FFF2-40B4-BE49-F238E27FC236}">
+                <a16:creationId xmlns:a16="http://schemas.microsoft.com/office/drawing/2014/main" id="{BCC7F086-3E21-4911-B522-2656A00E5F31}"/>
+              </a:ext>
+            </a:extLst>
+          </p:cNvPr>
+          <p:cNvCxnSpPr>
+            <a:cxnSpLocks/>
+            <a:stCxn id="17" idx="2"/>
+            <a:endCxn id="12" idx="0"/>
+          </p:cNvCxnSpPr>
+          <p:nvPr/>
+        </p:nvCxnSpPr>
+        <p:spPr>
+          <a:xfrm flipH="1">
+            <a:off x="6148998" y="1660630"/>
+            <a:ext cx="3411292" cy="825253"/>
+          </a:xfrm>
+          <a:prstGeom prst="straightConnector1">
+            <a:avLst/>
+          </a:prstGeom>
+          <a:ln>
+            <a:tailEnd type="triangle"/>
+          </a:ln>
+        </p:spPr>
+        <p:style>
+          <a:lnRef idx="1">
+            <a:schemeClr val="accent1"/>
+          </a:lnRef>
+          <a:fillRef idx="0">
+            <a:schemeClr val="accent1"/>
+          </a:fillRef>
+          <a:effectRef idx="0">
+            <a:schemeClr val="accent1"/>
+          </a:effectRef>
+          <a:fontRef idx="minor">
+            <a:schemeClr val="tx1"/>
+          </a:fontRef>
+        </p:style>
+      </p:cxnSp>
+      <p:sp>
+        <p:nvSpPr>
+          <p:cNvPr id="22" name="Rectangle 21">
+            <a:extLst>
+              <a:ext uri="{FF2B5EF4-FFF2-40B4-BE49-F238E27FC236}">
+                <a16:creationId xmlns:a16="http://schemas.microsoft.com/office/drawing/2014/main" id="{5062C094-179E-4EC0-9CFD-302F39381B11}"/>
+              </a:ext>
+            </a:extLst>
+          </p:cNvPr>
+          <p:cNvSpPr/>
+          <p:nvPr/>
+        </p:nvSpPr>
+        <p:spPr>
+          <a:xfrm>
+            <a:off x="533842" y="3909911"/>
+            <a:ext cx="1158718" cy="279918"/>
+          </a:xfrm>
+          <a:prstGeom prst="rect">
+            <a:avLst/>
+          </a:prstGeom>
+          <a:noFill/>
+          <a:ln w="57150">
+            <a:solidFill>
+              <a:srgbClr val="FF0000"/>
+            </a:solidFill>
+          </a:ln>
+        </p:spPr>
+        <p:style>
+          <a:lnRef idx="2">
+            <a:schemeClr val="accent1">
+              <a:shade val="50000"/>
+            </a:schemeClr>
+          </a:lnRef>
+          <a:fillRef idx="1">
+            <a:schemeClr val="accent1"/>
+          </a:fillRef>
+          <a:effectRef idx="0">
+            <a:schemeClr val="accent1"/>
+          </a:effectRef>
+          <a:fontRef idx="minor">
+            <a:schemeClr val="lt1"/>
+          </a:fontRef>
+        </p:style>
+        <p:txBody>
+          <a:bodyPr rtlCol="0" anchor="ctr"/>
+          <a:lstStyle/>
+          <a:p>
+            <a:pPr algn="ctr"/>
+            <a:endParaRPr lang="en-US"/>
+          </a:p>
+        </p:txBody>
+      </p:sp>
+      <p:sp>
+        <p:nvSpPr>
+          <p:cNvPr id="23" name="Rectangle 22">
+            <a:extLst>
+              <a:ext uri="{FF2B5EF4-FFF2-40B4-BE49-F238E27FC236}">
+                <a16:creationId xmlns:a16="http://schemas.microsoft.com/office/drawing/2014/main" id="{571B7E55-E5C5-4793-AAE3-7B8402DD45C6}"/>
+              </a:ext>
+            </a:extLst>
+          </p:cNvPr>
+          <p:cNvSpPr/>
+          <p:nvPr/>
+        </p:nvSpPr>
+        <p:spPr>
+          <a:xfrm>
+            <a:off x="105993" y="2986203"/>
+            <a:ext cx="12086005" cy="384556"/>
+          </a:xfrm>
+          <a:prstGeom prst="rect">
+            <a:avLst/>
+          </a:prstGeom>
+          <a:noFill/>
+          <a:ln w="57150">
+            <a:solidFill>
+              <a:schemeClr val="accent2"/>
+            </a:solidFill>
+          </a:ln>
+        </p:spPr>
+        <p:style>
+          <a:lnRef idx="2">
+            <a:schemeClr val="accent1">
+              <a:shade val="50000"/>
+            </a:schemeClr>
+          </a:lnRef>
+          <a:fillRef idx="1">
+            <a:schemeClr val="accent1"/>
+          </a:fillRef>
+          <a:effectRef idx="0">
+            <a:schemeClr val="accent1"/>
+          </a:effectRef>
+          <a:fontRef idx="minor">
+            <a:schemeClr val="lt1"/>
+          </a:fontRef>
+        </p:style>
+        <p:txBody>
+          <a:bodyPr rtlCol="0" anchor="ctr"/>
+          <a:lstStyle/>
+          <a:p>
+            <a:pPr algn="ctr"/>
+            <a:endParaRPr lang="en-US"/>
+          </a:p>
+        </p:txBody>
+      </p:sp>
+      <p:sp>
+        <p:nvSpPr>
+          <p:cNvPr id="24" name="Rectangle 23">
+            <a:extLst>
+              <a:ext uri="{FF2B5EF4-FFF2-40B4-BE49-F238E27FC236}">
+                <a16:creationId xmlns:a16="http://schemas.microsoft.com/office/drawing/2014/main" id="{85CB871A-B592-4239-8BC0-028CCEDD2964}"/>
+              </a:ext>
+            </a:extLst>
+          </p:cNvPr>
+          <p:cNvSpPr/>
+          <p:nvPr/>
+        </p:nvSpPr>
+        <p:spPr>
+          <a:xfrm>
+            <a:off x="105994" y="3476906"/>
+            <a:ext cx="12086005" cy="384556"/>
+          </a:xfrm>
+          <a:prstGeom prst="rect">
+            <a:avLst/>
+          </a:prstGeom>
+          <a:noFill/>
+          <a:ln w="57150">
+            <a:solidFill>
+              <a:srgbClr val="00B0F0"/>
+            </a:solidFill>
+          </a:ln>
+        </p:spPr>
+        <p:style>
+          <a:lnRef idx="2">
+            <a:schemeClr val="accent1">
+              <a:shade val="50000"/>
+            </a:schemeClr>
+          </a:lnRef>
+          <a:fillRef idx="1">
+            <a:schemeClr val="accent1"/>
+          </a:fillRef>
+          <a:effectRef idx="0">
+            <a:schemeClr val="accent1"/>
+          </a:effectRef>
+          <a:fontRef idx="minor">
+            <a:schemeClr val="lt1"/>
+          </a:fontRef>
+        </p:style>
+        <p:txBody>
+          <a:bodyPr rtlCol="0" anchor="ctr"/>
+          <a:lstStyle/>
+          <a:p>
+            <a:pPr algn="ctr"/>
+            <a:endParaRPr lang="en-US"/>
+          </a:p>
+        </p:txBody>
+      </p:sp>
+      <p:sp>
+        <p:nvSpPr>
+          <p:cNvPr id="25" name="Rectangle 24">
+            <a:extLst>
+              <a:ext uri="{FF2B5EF4-FFF2-40B4-BE49-F238E27FC236}">
+                <a16:creationId xmlns:a16="http://schemas.microsoft.com/office/drawing/2014/main" id="{B380CFD5-FA39-4836-B7D1-F89F9B857204}"/>
+              </a:ext>
+            </a:extLst>
+          </p:cNvPr>
+          <p:cNvSpPr/>
+          <p:nvPr/>
+        </p:nvSpPr>
+        <p:spPr>
+          <a:xfrm>
+            <a:off x="521889" y="5626801"/>
+            <a:ext cx="1158718" cy="279918"/>
+          </a:xfrm>
+          <a:prstGeom prst="rect">
+            <a:avLst/>
+          </a:prstGeom>
+          <a:noFill/>
+          <a:ln w="57150">
+            <a:solidFill>
+              <a:srgbClr val="FF0000"/>
+            </a:solidFill>
+          </a:ln>
+        </p:spPr>
+        <p:style>
+          <a:lnRef idx="2">
+            <a:schemeClr val="accent1">
+              <a:shade val="50000"/>
+            </a:schemeClr>
+          </a:lnRef>
+          <a:fillRef idx="1">
+            <a:schemeClr val="accent1"/>
+          </a:fillRef>
+          <a:effectRef idx="0">
+            <a:schemeClr val="accent1"/>
+          </a:effectRef>
+          <a:fontRef idx="minor">
+            <a:schemeClr val="lt1"/>
+          </a:fontRef>
+        </p:style>
+        <p:txBody>
+          <a:bodyPr rtlCol="0" anchor="ctr"/>
+          <a:lstStyle/>
+          <a:p>
+            <a:pPr algn="ctr"/>
+            <a:endParaRPr lang="en-US"/>
+          </a:p>
+        </p:txBody>
+      </p:sp>
+    </p:spTree>
+    <p:extLst>
+      <p:ext uri="{BB962C8B-B14F-4D97-AF65-F5344CB8AC3E}">
+        <p14:creationId xmlns:p14="http://schemas.microsoft.com/office/powerpoint/2010/main" val="1650062341"/>
+      </p:ext>
+    </p:extLst>
+  </p:cSld>
+  <p:clrMapOvr>
+    <a:masterClrMapping/>
+  </p:clrMapOvr>
+</p:sld>
+</file>
+
+<file path=ppt/slides/slide6.xml><?xml version="1.0" encoding="utf-8"?>
+<p:sld xmlns:a="http://schemas.openxmlformats.org/drawingml/2006/main" xmlns:r="http://schemas.openxmlformats.org/officeDocument/2006/relationships" xmlns:p="http://schemas.openxmlformats.org/presentationml/2006/main">
+  <p:cSld>
+    <p:spTree>
+      <p:nvGrpSpPr>
+        <p:cNvPr id="1" name=""/>
+        <p:cNvGrpSpPr/>
+        <p:nvPr/>
+      </p:nvGrpSpPr>
+      <p:grpSpPr>
+        <a:xfrm>
+          <a:off x="0" y="0"/>
+          <a:ext cx="0" cy="0"/>
+          <a:chOff x="0" y="0"/>
+          <a:chExt cx="0" cy="0"/>
+        </a:xfrm>
+      </p:grpSpPr>
+      <p:sp>
+        <p:nvSpPr>
+          <p:cNvPr id="2" name="Title 1">
+            <a:extLst>
+              <a:ext uri="{FF2B5EF4-FFF2-40B4-BE49-F238E27FC236}">
                 <a16:creationId xmlns:a16="http://schemas.microsoft.com/office/drawing/2014/main" id="{7B98BB72-5B49-4860-8B1B-AD6F96EE722B}"/>
               </a:ext>
             </a:extLst>
@@ -4630,7 +5515,7 @@
 </p:sld>
 </file>
 
-<file path=ppt/slides/slide6.xml><?xml version="1.0" encoding="utf-8"?>
+<file path=ppt/slides/slide7.xml><?xml version="1.0" encoding="utf-8"?>
 <p:sld xmlns:a="http://schemas.openxmlformats.org/drawingml/2006/main" xmlns:r="http://schemas.openxmlformats.org/officeDocument/2006/relationships" xmlns:p="http://schemas.openxmlformats.org/presentationml/2006/main">
   <p:cSld>
     <p:spTree>
@@ -4743,7 +5628,7 @@
 </p:sld>
 </file>
 
-<file path=ppt/slides/slide7.xml><?xml version="1.0" encoding="utf-8"?>
+<file path=ppt/slides/slide8.xml><?xml version="1.0" encoding="utf-8"?>
 <p:sld xmlns:a="http://schemas.openxmlformats.org/drawingml/2006/main" xmlns:r="http://schemas.openxmlformats.org/officeDocument/2006/relationships" xmlns:p="http://schemas.openxmlformats.org/presentationml/2006/main">
   <p:cSld>
     <p:spTree>
@@ -4856,7 +5741,7 @@
 </p:sld>
 </file>
 
-<file path=ppt/slides/slide8.xml><?xml version="1.0" encoding="utf-8"?>
+<file path=ppt/slides/slide9.xml><?xml version="1.0" encoding="utf-8"?>
 <p:sld xmlns:a="http://schemas.openxmlformats.org/drawingml/2006/main" xmlns:r="http://schemas.openxmlformats.org/officeDocument/2006/relationships" xmlns:p="http://schemas.openxmlformats.org/presentationml/2006/main">
   <p:cSld>
     <p:spTree>
@@ -4961,123 +5846,6 @@
     <p:extLst>
       <p:ext uri="{BB962C8B-B14F-4D97-AF65-F5344CB8AC3E}">
         <p14:creationId xmlns:p14="http://schemas.microsoft.com/office/powerpoint/2010/main" val="3634974321"/>
-      </p:ext>
-    </p:extLst>
-  </p:cSld>
-  <p:clrMapOvr>
-    <a:masterClrMapping/>
-  </p:clrMapOvr>
-</p:sld>
-</file>
-
-<file path=ppt/slides/slide9.xml><?xml version="1.0" encoding="utf-8"?>
-<p:sld xmlns:a="http://schemas.openxmlformats.org/drawingml/2006/main" xmlns:r="http://schemas.openxmlformats.org/officeDocument/2006/relationships" xmlns:p="http://schemas.openxmlformats.org/presentationml/2006/main">
-  <p:cSld>
-    <p:spTree>
-      <p:nvGrpSpPr>
-        <p:cNvPr id="1" name=""/>
-        <p:cNvGrpSpPr/>
-        <p:nvPr/>
-      </p:nvGrpSpPr>
-      <p:grpSpPr>
-        <a:xfrm>
-          <a:off x="0" y="0"/>
-          <a:ext cx="0" cy="0"/>
-          <a:chOff x="0" y="0"/>
-          <a:chExt cx="0" cy="0"/>
-        </a:xfrm>
-      </p:grpSpPr>
-      <p:sp>
-        <p:nvSpPr>
-          <p:cNvPr id="2" name="Title 1">
-            <a:extLst>
-              <a:ext uri="{FF2B5EF4-FFF2-40B4-BE49-F238E27FC236}">
-                <a16:creationId xmlns:a16="http://schemas.microsoft.com/office/drawing/2014/main" id="{792726B2-82E9-49E1-9A7A-BE71570172AD}"/>
-              </a:ext>
-            </a:extLst>
-          </p:cNvPr>
-          <p:cNvSpPr>
-            <a:spLocks noGrp="1"/>
-          </p:cNvSpPr>
-          <p:nvPr>
-            <p:ph type="title"/>
-          </p:nvPr>
-        </p:nvSpPr>
-        <p:spPr/>
-        <p:txBody>
-          <a:bodyPr/>
-          <a:lstStyle/>
-          <a:p>
-            <a:r>
-              <a:rPr lang="en-US" dirty="0" err="1"/>
-              <a:t>Neoclass</a:t>
-            </a:r>
-            <a:r>
-              <a:rPr lang="en-US" dirty="0"/>
-              <a:t>*(only in neoclassical)</a:t>
-            </a:r>
-          </a:p>
-        </p:txBody>
-      </p:sp>
-      <p:sp>
-        <p:nvSpPr>
-          <p:cNvPr id="3" name="Content Placeholder 2">
-            <a:extLst>
-              <a:ext uri="{FF2B5EF4-FFF2-40B4-BE49-F238E27FC236}">
-                <a16:creationId xmlns:a16="http://schemas.microsoft.com/office/drawing/2014/main" id="{0CAD5C5B-C381-4288-9BFF-DCE702CF1D0C}"/>
-              </a:ext>
-            </a:extLst>
-          </p:cNvPr>
-          <p:cNvSpPr>
-            <a:spLocks noGrp="1"/>
-          </p:cNvSpPr>
-          <p:nvPr>
-            <p:ph idx="1"/>
-          </p:nvPr>
-        </p:nvSpPr>
-        <p:spPr/>
-        <p:txBody>
-          <a:bodyPr/>
-          <a:lstStyle/>
-          <a:p>
-            <a:endParaRPr lang="en-US" dirty="0"/>
-          </a:p>
-        </p:txBody>
-      </p:sp>
-      <p:pic>
-        <p:nvPicPr>
-          <p:cNvPr id="5" name="Picture 4">
-            <a:extLst>
-              <a:ext uri="{FF2B5EF4-FFF2-40B4-BE49-F238E27FC236}">
-                <a16:creationId xmlns:a16="http://schemas.microsoft.com/office/drawing/2014/main" id="{700FA968-D4BE-4AEB-816C-2EAEE0C3CC85}"/>
-              </a:ext>
-            </a:extLst>
-          </p:cNvPr>
-          <p:cNvPicPr>
-            <a:picLocks noChangeAspect="1"/>
-          </p:cNvPicPr>
-          <p:nvPr/>
-        </p:nvPicPr>
-        <p:blipFill>
-          <a:blip r:embed="rId2"/>
-          <a:stretch>
-            <a:fillRect/>
-          </a:stretch>
-        </p:blipFill>
-        <p:spPr>
-          <a:xfrm>
-            <a:off x="838200" y="1825625"/>
-            <a:ext cx="7783011" cy="3029373"/>
-          </a:xfrm>
-          <a:prstGeom prst="rect">
-            <a:avLst/>
-          </a:prstGeom>
-        </p:spPr>
-      </p:pic>
-    </p:spTree>
-    <p:extLst>
-      <p:ext uri="{BB962C8B-B14F-4D97-AF65-F5344CB8AC3E}">
-        <p14:creationId xmlns:p14="http://schemas.microsoft.com/office/powerpoint/2010/main" val="634919456"/>
       </p:ext>
     </p:extLst>
   </p:cSld>
